--- a/CPE Electives (1 - 3)/01. Lectures Notebook/00. Presentations & Text Books/01. Electives 1 to 3/28. GMM Clustering.pptx
+++ b/CPE Electives (1 - 3)/01. Lectures Notebook/00. Presentations & Text Books/01. Electives 1 to 3/28. GMM Clustering.pptx
@@ -5,10 +5,10 @@
     <p:sldMasterId id="2147483684" r:id="rId1"/>
   </p:sldMasterIdLst>
   <p:notesMasterIdLst>
-    <p:notesMasterId r:id="rId29"/>
+    <p:notesMasterId r:id="rId36"/>
   </p:notesMasterIdLst>
   <p:handoutMasterIdLst>
-    <p:handoutMasterId r:id="rId30"/>
+    <p:handoutMasterId r:id="rId37"/>
   </p:handoutMasterIdLst>
   <p:sldIdLst>
     <p:sldId id="258" r:id="rId2"/>
@@ -37,7 +37,14 @@
     <p:sldId id="374" r:id="rId25"/>
     <p:sldId id="375" r:id="rId26"/>
     <p:sldId id="376" r:id="rId27"/>
-    <p:sldId id="314" r:id="rId28"/>
+    <p:sldId id="377" r:id="rId28"/>
+    <p:sldId id="378" r:id="rId29"/>
+    <p:sldId id="379" r:id="rId30"/>
+    <p:sldId id="380" r:id="rId31"/>
+    <p:sldId id="381" r:id="rId32"/>
+    <p:sldId id="382" r:id="rId33"/>
+    <p:sldId id="383" r:id="rId34"/>
+    <p:sldId id="314" r:id="rId35"/>
   </p:sldIdLst>
   <p:sldSz cx="12192000" cy="6858000"/>
   <p:notesSz cx="6858000" cy="9144000"/>
@@ -138,7 +145,7 @@
   </p:defaultTextStyle>
   <p:extLst>
     <p:ext uri="{EFAFB233-063F-42B5-8137-9DF3F51BA10A}">
-      <p15:sldGuideLst xmlns="" xmlns:p15="http://schemas.microsoft.com/office/powerpoint/2012/main">
+      <p15:sldGuideLst xmlns:p15="http://schemas.microsoft.com/office/powerpoint/2012/main">
         <p15:guide id="1" orient="horz" pos="2160">
           <p15:clr>
             <a:srgbClr val="A4A3A4"/>
@@ -152,7 +159,7 @@
       </p15:sldGuideLst>
     </p:ext>
     <p:ext uri="{2D200454-40CA-4A62-9FC3-DE9A4176ACB9}">
-      <p15:notesGuideLst xmlns="" xmlns:p15="http://schemas.microsoft.com/office/powerpoint/2012/main">
+      <p15:notesGuideLst xmlns:p15="http://schemas.microsoft.com/office/powerpoint/2012/main">
         <p15:guide id="1" orient="horz" pos="2880">
           <p15:clr>
             <a:srgbClr val="A4A3A4"/>
@@ -251,7 +258,7 @@
           <a:p>
             <a:fld id="{3B6B94FD-5702-4F25-9A4D-07294FF3292C}" type="datetimeFigureOut">
               <a:rPr lang="en-PH" smtClean="0"/>
-              <a:t>06/10/2024</a:t>
+              <a:t>9 Oct 2024</a:t>
             </a:fld>
             <a:endParaRPr lang="en-PH"/>
           </a:p>
@@ -416,7 +423,7 @@
           <a:p>
             <a:fld id="{8365AC51-C568-4371-A28D-D14CF2BCF8BA}" type="datetimeFigureOut">
               <a:rPr lang="en-US" smtClean="0"/>
-              <a:t>10/6/2024</a:t>
+              <a:t>10/9/2024</a:t>
             </a:fld>
             <a:endParaRPr lang="en-US"/>
           </a:p>
@@ -1032,13 +1039,6 @@
   <p:clrMapOvr>
     <a:masterClrMapping/>
   </p:clrMapOvr>
-  <p:timing>
-    <p:tnLst>
-      <p:par>
-        <p:cTn id="1" dur="indefinite" restart="never" nodeType="tmRoot"/>
-      </p:par>
-    </p:tnLst>
-  </p:timing>
 </p:sldLayout>
 </file>
 
@@ -1240,7 +1240,7 @@
           <p:cNvPr id="7" name="Footer Placeholder 4">
             <a:extLst>
               <a:ext uri="{FF2B5EF4-FFF2-40B4-BE49-F238E27FC236}">
-                <a16:creationId xmlns="" xmlns:a16="http://schemas.microsoft.com/office/drawing/2014/main" id="{D057E4A9-8BC1-4D03-B0CD-00353C3D487D}"/>
+                <a16:creationId xmlns:a16="http://schemas.microsoft.com/office/drawing/2014/main" id="{D057E4A9-8BC1-4D03-B0CD-00353C3D487D}"/>
               </a:ext>
             </a:extLst>
           </p:cNvPr>
@@ -3807,11 +3807,11 @@
           <a:p>
             <a:pPr algn="ctr"/>
             <a:r>
-              <a:rPr lang="en-US" sz="1400" b="1" dirty="0" smtClean="0"/>
+              <a:rPr lang="en-US" sz="1400" b="1" dirty="0"/>
               <a:t>GAUSSIAN</a:t>
             </a:r>
             <a:r>
-              <a:rPr lang="en-US" sz="1400" b="1" baseline="0" dirty="0" smtClean="0"/>
+              <a:rPr lang="en-US" sz="1400" b="1" baseline="0" dirty="0"/>
               <a:t> MIXTURE MODEL CLUSTERING</a:t>
             </a:r>
             <a:endParaRPr lang="en-PH" sz="1400" b="1" dirty="0"/>
@@ -3901,13 +3901,6 @@
     <p:sldLayoutId id="2147483694" r:id="rId10"/>
     <p:sldLayoutId id="2147483695" r:id="rId11"/>
   </p:sldLayoutIdLst>
-  <p:timing>
-    <p:tnLst>
-      <p:par>
-        <p:cTn id="1" dur="indefinite" restart="never" nodeType="tmRoot"/>
-      </p:par>
-    </p:tnLst>
-  </p:timing>
   <p:hf hdr="0" ftr="0" dt="0"/>
   <p:txStyles>
     <p:titleStyle>
@@ -4203,14 +4196,14 @@
           <a:p>
             <a:pPr algn="ctr"/>
             <a:r>
-              <a:rPr lang="en-US" sz="4800" b="1" dirty="0" smtClean="0"/>
+              <a:rPr lang="en-US" sz="4800" b="1" dirty="0"/>
               <a:t>Gaussian Mixture Model (GMM) </a:t>
             </a:r>
           </a:p>
           <a:p>
             <a:pPr algn="ctr"/>
             <a:r>
-              <a:rPr lang="en-US" sz="4800" b="1" dirty="0" smtClean="0"/>
+              <a:rPr lang="en-US" sz="4800" b="1" dirty="0"/>
               <a:t>Clustering</a:t>
             </a:r>
           </a:p>
@@ -4263,12 +4256,8 @@
           <a:p>
             <a:pPr algn="ctr"/>
             <a:r>
-              <a:rPr lang="en-US" sz="2000" i="1" dirty="0" smtClean="0"/>
-              <a:t>College </a:t>
-            </a:r>
-            <a:r>
               <a:rPr lang="en-US" sz="2000" i="1" dirty="0"/>
-              <a:t>of Engineering</a:t>
+              <a:t>College of Engineering</a:t>
             </a:r>
           </a:p>
           <a:p>
@@ -4302,13 +4291,6 @@
   <p:clrMapOvr>
     <a:masterClrMapping/>
   </p:clrMapOvr>
-  <p:timing>
-    <p:tnLst>
-      <p:par>
-        <p:cTn id="1" dur="indefinite" restart="never" nodeType="tmRoot"/>
-      </p:par>
-    </p:tnLst>
-  </p:timing>
 </p:sld>
 </file>
 
@@ -4352,10 +4334,9 @@
           <a:lstStyle/>
           <a:p>
             <a:r>
-              <a:rPr lang="en-US" sz="4400" b="1" dirty="0" smtClean="0"/>
+              <a:rPr lang="en-US" sz="4400" b="1" dirty="0"/>
               <a:t>3. Maximization Step: </a:t>
             </a:r>
-            <a:endParaRPr lang="en-US" sz="4400" b="1" dirty="0" smtClean="0"/>
           </a:p>
           <a:p>
             <a:endParaRPr lang="en-US" sz="1600" b="1" dirty="0"/>
@@ -4390,13 +4371,6 @@
   <p:clrMapOvr>
     <a:masterClrMapping/>
   </p:clrMapOvr>
-  <p:timing>
-    <p:tnLst>
-      <p:par>
-        <p:cTn id="1" dur="indefinite" restart="never" nodeType="tmRoot"/>
-      </p:par>
-    </p:tnLst>
-  </p:timing>
 </p:sld>
 </file>
 
@@ -4440,10 +4414,9 @@
           <a:lstStyle/>
           <a:p>
             <a:r>
-              <a:rPr lang="en-US" sz="4400" b="1" dirty="0" smtClean="0"/>
+              <a:rPr lang="en-US" sz="4400" b="1" dirty="0"/>
               <a:t>4. Repeat: </a:t>
             </a:r>
-            <a:endParaRPr lang="en-US" sz="4400" b="1" dirty="0" smtClean="0"/>
           </a:p>
           <a:p>
             <a:endParaRPr lang="en-US" sz="1600" b="1" dirty="0"/>
@@ -4478,13 +4451,6 @@
   <p:clrMapOvr>
     <a:masterClrMapping/>
   </p:clrMapOvr>
-  <p:timing>
-    <p:tnLst>
-      <p:par>
-        <p:cTn id="1" dur="indefinite" restart="never" nodeType="tmRoot"/>
-      </p:par>
-    </p:tnLst>
-  </p:timing>
 </p:sld>
 </file>
 
@@ -4529,14 +4495,14 @@
           <a:p>
             <a:pPr algn="ctr"/>
             <a:r>
-              <a:rPr lang="en-US" sz="7200" b="1" dirty="0" smtClean="0"/>
+              <a:rPr lang="en-US" sz="7200" b="1" dirty="0"/>
               <a:t>Difference Between </a:t>
             </a:r>
           </a:p>
           <a:p>
             <a:pPr algn="ctr"/>
             <a:r>
-              <a:rPr lang="en-US" sz="7200" b="1" dirty="0" smtClean="0"/>
+              <a:rPr lang="en-US" sz="7200" b="1" dirty="0"/>
               <a:t>GMM and K-Means</a:t>
             </a:r>
             <a:endParaRPr lang="en-US" sz="7200" b="1" dirty="0">
@@ -4556,13 +4522,6 @@
   <p:clrMapOvr>
     <a:masterClrMapping/>
   </p:clrMapOvr>
-  <p:timing>
-    <p:tnLst>
-      <p:par>
-        <p:cTn id="1" dur="indefinite" restart="never" nodeType="tmRoot"/>
-      </p:par>
-    </p:tnLst>
-  </p:timing>
 </p:sld>
 </file>
 
@@ -4606,16 +4565,12 @@
           <a:lstStyle/>
           <a:p>
             <a:r>
-              <a:rPr lang="en-US" sz="4400" b="1" dirty="0" smtClean="0"/>
+              <a:rPr lang="en-US" sz="4400" b="1" dirty="0"/>
               <a:t>K-Means</a:t>
             </a:r>
             <a:r>
-              <a:rPr lang="en-US" sz="4400" dirty="0" smtClean="0"/>
-              <a:t> clustering </a:t>
-            </a:r>
-            <a:r>
               <a:rPr lang="en-US" sz="4400" dirty="0"/>
-              <a:t>assigns each data point </a:t>
+              <a:t> clustering assigns each data point </a:t>
             </a:r>
             <a:r>
               <a:rPr lang="en-US" sz="4400" dirty="0">
@@ -4634,12 +4589,12 @@
               <a:t>hard clustering</a:t>
             </a:r>
             <a:r>
-              <a:rPr lang="en-US" sz="4400" dirty="0" smtClean="0"/>
+              <a:rPr lang="en-US" sz="4400" dirty="0"/>
               <a:t>).</a:t>
             </a:r>
           </a:p>
           <a:p>
-            <a:endParaRPr lang="en-US" sz="2800" dirty="0" smtClean="0"/>
+            <a:endParaRPr lang="en-US" sz="2800" dirty="0"/>
           </a:p>
           <a:p>
             <a:r>
@@ -4658,16 +4613,11 @@
               <a:rPr lang="en-US" sz="4400" dirty="0"/>
               <a:t>). </a:t>
             </a:r>
-            <a:endParaRPr lang="en-US" sz="4400" dirty="0" smtClean="0"/>
-          </a:p>
-          <a:p>
-            <a:r>
-              <a:rPr lang="en-US" sz="4400" dirty="0" smtClean="0"/>
-              <a:t>So</a:t>
-            </a:r>
+          </a:p>
+          <a:p>
             <a:r>
               <a:rPr lang="en-US" sz="4400" dirty="0"/>
-              <a:t>, a point </a:t>
+              <a:t>So, a point </a:t>
             </a:r>
             <a:r>
               <a:rPr lang="en-US" sz="4400" dirty="0">
@@ -4679,13 +4629,8 @@
             </a:r>
             <a:r>
               <a:rPr lang="en-US" sz="4400" dirty="0"/>
-              <a:t>, but with different probabilities</a:t>
-            </a:r>
-            <a:r>
-              <a:rPr lang="en-US" sz="4400" dirty="0" smtClean="0"/>
-              <a:t>.</a:t>
-            </a:r>
-            <a:endParaRPr lang="en-US" sz="4400" dirty="0"/>
+              <a:t>, but with different probabilities.</a:t>
+            </a:r>
           </a:p>
         </p:txBody>
       </p:sp>
@@ -4699,13 +4644,6 @@
   <p:clrMapOvr>
     <a:masterClrMapping/>
   </p:clrMapOvr>
-  <p:timing>
-    <p:tnLst>
-      <p:par>
-        <p:cTn id="1" dur="indefinite" restart="never" nodeType="tmRoot"/>
-      </p:par>
-    </p:tnLst>
-  </p:timing>
 </p:sld>
 </file>
 
@@ -4749,7 +4687,7 @@
           <a:lstStyle/>
           <a:p>
             <a:r>
-              <a:rPr lang="en-US" sz="4400" b="1" dirty="0" smtClean="0"/>
+              <a:rPr lang="en-US" sz="4400" b="1" dirty="0"/>
               <a:t>Key Points:</a:t>
             </a:r>
           </a:p>
@@ -4761,12 +4699,8 @@
           </a:p>
           <a:p>
             <a:r>
-              <a:rPr lang="en-US" sz="4400" dirty="0" smtClean="0"/>
-              <a:t>1. GMM </a:t>
-            </a:r>
-            <a:r>
               <a:rPr lang="en-US" sz="4400" dirty="0"/>
-              <a:t>is useful </a:t>
+              <a:t>1. GMM is useful </a:t>
             </a:r>
             <a:r>
               <a:rPr lang="en-US" sz="4400" dirty="0">
@@ -4809,13 +4743,6 @@
   <p:clrMapOvr>
     <a:masterClrMapping/>
   </p:clrMapOvr>
-  <p:timing>
-    <p:tnLst>
-      <p:par>
-        <p:cTn id="1" dur="indefinite" restart="never" nodeType="tmRoot"/>
-      </p:par>
-    </p:tnLst>
-  </p:timing>
 </p:sld>
 </file>
 
@@ -4859,7 +4786,7 @@
           <a:lstStyle/>
           <a:p>
             <a:r>
-              <a:rPr lang="en-US" sz="4400" b="1" dirty="0" smtClean="0"/>
+              <a:rPr lang="en-US" sz="4400" b="1" dirty="0"/>
               <a:t>Key Points:</a:t>
             </a:r>
           </a:p>
@@ -4871,12 +4798,8 @@
           </a:p>
           <a:p>
             <a:r>
-              <a:rPr lang="en-US" sz="4400" dirty="0" smtClean="0"/>
-              <a:t>2</a:t>
-            </a:r>
-            <a:r>
               <a:rPr lang="en-US" sz="4400" dirty="0"/>
-              <a:t>. It models data as a combination of several Gaussian distributions, </a:t>
+              <a:t>2. It models data as a combination of several Gaussian distributions, </a:t>
             </a:r>
             <a:r>
               <a:rPr lang="en-US" sz="4400" dirty="0">
@@ -4907,13 +4830,6 @@
   <p:clrMapOvr>
     <a:masterClrMapping/>
   </p:clrMapOvr>
-  <p:timing>
-    <p:tnLst>
-      <p:par>
-        <p:cTn id="1" dur="indefinite" restart="never" nodeType="tmRoot"/>
-      </p:par>
-    </p:tnLst>
-  </p:timing>
 </p:sld>
 </file>
 
@@ -4958,7 +4874,7 @@
           <a:p>
             <a:pPr algn="ctr"/>
             <a:r>
-              <a:rPr lang="en-US" sz="7200" b="1" dirty="0" smtClean="0"/>
+              <a:rPr lang="en-US" sz="7200" b="1" dirty="0"/>
               <a:t>A Simple Explanation</a:t>
             </a:r>
             <a:endParaRPr lang="en-US" sz="7200" b="1" dirty="0">
@@ -4978,13 +4894,6 @@
   <p:clrMapOvr>
     <a:masterClrMapping/>
   </p:clrMapOvr>
-  <p:timing>
-    <p:tnLst>
-      <p:par>
-        <p:cTn id="1" dur="indefinite" restart="never" nodeType="tmRoot"/>
-      </p:par>
-    </p:tnLst>
-  </p:timing>
 </p:sld>
 </file>
 
@@ -5097,13 +5006,6 @@
   <p:clrMapOvr>
     <a:masterClrMapping/>
   </p:clrMapOvr>
-  <p:timing>
-    <p:tnLst>
-      <p:par>
-        <p:cTn id="1" dur="indefinite" restart="never" nodeType="tmRoot"/>
-      </p:par>
-    </p:tnLst>
-  </p:timing>
 </p:sld>
 </file>
 
@@ -5147,7 +5049,7 @@
           <a:lstStyle/>
           <a:p>
             <a:r>
-              <a:rPr lang="en-US" sz="3200" b="1" dirty="0" smtClean="0"/>
+              <a:rPr lang="en-US" sz="3200" b="1" dirty="0"/>
               <a:t>1. Clusters (Groups): </a:t>
             </a:r>
             <a:r>
@@ -5212,13 +5114,6 @@
   <p:clrMapOvr>
     <a:masterClrMapping/>
   </p:clrMapOvr>
-  <p:timing>
-    <p:tnLst>
-      <p:par>
-        <p:cTn id="1" dur="indefinite" restart="never" nodeType="tmRoot"/>
-      </p:par>
-    </p:tnLst>
-  </p:timing>
 </p:sld>
 </file>
 
@@ -5734,13 +5629,6 @@
   <p:clrMapOvr>
     <a:masterClrMapping/>
   </p:clrMapOvr>
-  <p:timing>
-    <p:tnLst>
-      <p:par>
-        <p:cTn id="1" dur="indefinite" restart="never" nodeType="tmRoot"/>
-      </p:par>
-    </p:tnLst>
-  </p:timing>
 </p:sld>
 </file>
 
@@ -5784,10 +5672,9 @@
           <a:lstStyle/>
           <a:p>
             <a:r>
-              <a:rPr lang="en-US" sz="4400" b="1" dirty="0" smtClean="0"/>
+              <a:rPr lang="en-US" sz="4400" b="1" dirty="0"/>
               <a:t>What is a Gaussian (Normal) Distribution?</a:t>
             </a:r>
-            <a:endParaRPr lang="en-US" sz="4400" b="1" dirty="0" smtClean="0"/>
           </a:p>
           <a:p>
             <a:endParaRPr lang="en-US" b="1" dirty="0"/>
@@ -5803,35 +5690,23 @@
             </a:r>
             <a:r>
               <a:rPr lang="en-US" sz="3600" dirty="0"/>
-              <a:t> that is defined by two key parameters</a:t>
-            </a:r>
-            <a:r>
-              <a:rPr lang="en-US" sz="3600" dirty="0" smtClean="0"/>
-              <a:t>:</a:t>
-            </a:r>
-          </a:p>
-          <a:p>
-            <a:endParaRPr lang="en-US" sz="1050" dirty="0" smtClean="0"/>
+              <a:t> that is defined by two key parameters:</a:t>
+            </a:r>
+          </a:p>
+          <a:p>
+            <a:endParaRPr lang="en-US" sz="1050" dirty="0"/>
           </a:p>
           <a:p>
             <a:pPr marL="514350" indent="-514350">
               <a:buAutoNum type="arabicPeriod"/>
             </a:pPr>
             <a:r>
-              <a:rPr lang="en-US" sz="3200" b="1" dirty="0" smtClean="0"/>
-              <a:t>Mean </a:t>
-            </a:r>
-            <a:r>
               <a:rPr lang="en-US" sz="3200" b="1" dirty="0"/>
-              <a:t>(µ)</a:t>
+              <a:t>Mean (µ)</a:t>
             </a:r>
             <a:r>
               <a:rPr lang="en-US" sz="3200" dirty="0"/>
-              <a:t>: This is the center of the bell curve (where most of the data is</a:t>
-            </a:r>
-            <a:r>
-              <a:rPr lang="en-US" sz="3200" dirty="0" smtClean="0"/>
-              <a:t>).</a:t>
+              <a:t>: This is the center of the bell curve (where most of the data is).</a:t>
             </a:r>
           </a:p>
           <a:p>
@@ -5863,13 +5738,6 @@
   <p:clrMapOvr>
     <a:masterClrMapping/>
   </p:clrMapOvr>
-  <p:timing>
-    <p:tnLst>
-      <p:par>
-        <p:cTn id="1" dur="indefinite" restart="never" nodeType="tmRoot"/>
-      </p:par>
-    </p:tnLst>
-  </p:timing>
 </p:sld>
 </file>
 
@@ -5913,7 +5781,7 @@
           <a:lstStyle/>
           <a:p>
             <a:r>
-              <a:rPr lang="en-US" sz="3200" b="1" dirty="0" smtClean="0"/>
+              <a:rPr lang="en-US" sz="3200" b="1" dirty="0"/>
               <a:t>2. Guessing the Groups: </a:t>
             </a:r>
             <a:r>
@@ -6394,7 +6262,7 @@
           <a:lstStyle/>
           <a:p>
             <a:r>
-              <a:rPr lang="en-US" dirty="0" smtClean="0"/>
+              <a:rPr lang="en-US" dirty="0"/>
               <a:t>                                          City A?    City B?    City C?    City C?       City B?       City C?    City A?      City B?</a:t>
             </a:r>
             <a:endParaRPr lang="en-PH" dirty="0"/>
@@ -6411,13 +6279,6 @@
   <p:clrMapOvr>
     <a:masterClrMapping/>
   </p:clrMapOvr>
-  <p:timing>
-    <p:tnLst>
-      <p:par>
-        <p:cTn id="1" dur="indefinite" restart="never" nodeType="tmRoot"/>
-      </p:par>
-    </p:tnLst>
-  </p:timing>
 </p:sld>
 </file>
 
@@ -6929,7 +6790,7 @@
           <a:lstStyle/>
           <a:p>
             <a:r>
-              <a:rPr lang="en-US" dirty="0" smtClean="0"/>
+              <a:rPr lang="en-US" dirty="0"/>
               <a:t>                                          City C?    City B?    City A?    City C?       City B?       City C?    City A?      City B?</a:t>
             </a:r>
             <a:endParaRPr lang="en-PH" dirty="0"/>
@@ -6946,13 +6807,6 @@
   <p:clrMapOvr>
     <a:masterClrMapping/>
   </p:clrMapOvr>
-  <p:timing>
-    <p:tnLst>
-      <p:par>
-        <p:cTn id="1" dur="indefinite" restart="never" nodeType="tmRoot"/>
-      </p:par>
-    </p:tnLst>
-  </p:timing>
 </p:sld>
 </file>
 
@@ -6996,7 +6850,7 @@
           <a:lstStyle/>
           <a:p>
             <a:r>
-              <a:rPr lang="en-US" sz="3200" b="1" dirty="0" smtClean="0"/>
+              <a:rPr lang="en-US" sz="3200" b="1" dirty="0"/>
               <a:t>3. Probabilities: </a:t>
             </a:r>
             <a:r>
@@ -7482,13 +7336,13 @@
             <a:lstStyle/>
             <a:p>
               <a:r>
-                <a:rPr lang="en-US" sz="1200" dirty="0" smtClean="0"/>
+                <a:rPr lang="en-US" sz="1200" dirty="0"/>
                 <a:t>City C (60%)</a:t>
               </a:r>
             </a:p>
             <a:p>
               <a:r>
-                <a:rPr lang="en-US" sz="1200" dirty="0" smtClean="0"/>
+                <a:rPr lang="en-US" sz="1200" dirty="0"/>
                 <a:t>City A (40%)</a:t>
               </a:r>
               <a:endParaRPr lang="en-PH" sz="1200" dirty="0"/>
@@ -7518,13 +7372,13 @@
             <a:lstStyle/>
             <a:p>
               <a:r>
-                <a:rPr lang="en-US" sz="1200" dirty="0" smtClean="0"/>
+                <a:rPr lang="en-US" sz="1200" dirty="0"/>
                 <a:t>City B (80%)</a:t>
               </a:r>
             </a:p>
             <a:p>
               <a:r>
-                <a:rPr lang="en-US" sz="1200" dirty="0" smtClean="0"/>
+                <a:rPr lang="en-US" sz="1200" dirty="0"/>
                 <a:t>City C (20%)</a:t>
               </a:r>
               <a:endParaRPr lang="en-PH" sz="1200" dirty="0"/>
@@ -7554,13 +7408,13 @@
             <a:lstStyle/>
             <a:p>
               <a:r>
-                <a:rPr lang="en-US" sz="1200" dirty="0" smtClean="0"/>
+                <a:rPr lang="en-US" sz="1200" dirty="0"/>
                 <a:t>City A(90%)</a:t>
               </a:r>
             </a:p>
             <a:p>
               <a:r>
-                <a:rPr lang="en-US" sz="1200" dirty="0" smtClean="0"/>
+                <a:rPr lang="en-US" sz="1200" dirty="0"/>
                 <a:t>City B (10%)</a:t>
               </a:r>
               <a:endParaRPr lang="en-PH" sz="1200" dirty="0"/>
@@ -7590,13 +7444,13 @@
             <a:lstStyle/>
             <a:p>
               <a:r>
-                <a:rPr lang="en-US" sz="1200" dirty="0" smtClean="0"/>
+                <a:rPr lang="en-US" sz="1200" dirty="0"/>
                 <a:t>City B (75%)</a:t>
               </a:r>
             </a:p>
             <a:p>
               <a:r>
-                <a:rPr lang="en-US" sz="1200" dirty="0" smtClean="0"/>
+                <a:rPr lang="en-US" sz="1200" dirty="0"/>
                 <a:t>City C (25%)</a:t>
               </a:r>
               <a:endParaRPr lang="en-PH" sz="1200" dirty="0"/>
@@ -7626,13 +7480,13 @@
             <a:lstStyle/>
             <a:p>
               <a:r>
-                <a:rPr lang="en-US" sz="1200" dirty="0" smtClean="0"/>
+                <a:rPr lang="en-US" sz="1200" dirty="0"/>
                 <a:t>City B (95%)</a:t>
               </a:r>
             </a:p>
             <a:p>
               <a:r>
-                <a:rPr lang="en-US" sz="1200" dirty="0" smtClean="0"/>
+                <a:rPr lang="en-US" sz="1200" dirty="0"/>
                 <a:t>City A(5%)</a:t>
               </a:r>
               <a:endParaRPr lang="en-PH" sz="1200" dirty="0"/>
@@ -7662,13 +7516,13 @@
             <a:lstStyle/>
             <a:p>
               <a:r>
-                <a:rPr lang="en-US" sz="1200" dirty="0" smtClean="0"/>
+                <a:rPr lang="en-US" sz="1200" dirty="0"/>
                 <a:t>City C(85%)</a:t>
               </a:r>
             </a:p>
             <a:p>
               <a:r>
-                <a:rPr lang="en-US" sz="1200" dirty="0" smtClean="0"/>
+                <a:rPr lang="en-US" sz="1200" dirty="0"/>
                 <a:t>City A (15%)</a:t>
               </a:r>
               <a:endParaRPr lang="en-PH" sz="1200" dirty="0"/>
@@ -7698,13 +7552,13 @@
             <a:lstStyle/>
             <a:p>
               <a:r>
-                <a:rPr lang="en-US" sz="1200" dirty="0" smtClean="0"/>
+                <a:rPr lang="en-US" sz="1200" dirty="0"/>
                 <a:t>City A (70%)</a:t>
               </a:r>
             </a:p>
             <a:p>
               <a:r>
-                <a:rPr lang="en-US" sz="1200" dirty="0" smtClean="0"/>
+                <a:rPr lang="en-US" sz="1200" dirty="0"/>
                 <a:t>City C (30%)</a:t>
               </a:r>
               <a:endParaRPr lang="en-PH" sz="1200" dirty="0"/>
@@ -7734,13 +7588,13 @@
             <a:lstStyle/>
             <a:p>
               <a:r>
-                <a:rPr lang="en-US" sz="1200" dirty="0" smtClean="0"/>
+                <a:rPr lang="en-US" sz="1200" dirty="0"/>
                 <a:t>City C (60%)</a:t>
               </a:r>
             </a:p>
             <a:p>
               <a:r>
-                <a:rPr lang="en-US" sz="1200" dirty="0" smtClean="0"/>
+                <a:rPr lang="en-US" sz="1200" dirty="0"/>
                 <a:t>City A (40%)</a:t>
               </a:r>
               <a:endParaRPr lang="en-PH" sz="1200" dirty="0"/>
@@ -7758,13 +7612,6 @@
   <p:clrMapOvr>
     <a:masterClrMapping/>
   </p:clrMapOvr>
-  <p:timing>
-    <p:tnLst>
-      <p:par>
-        <p:cTn id="1" dur="indefinite" restart="never" nodeType="tmRoot"/>
-      </p:par>
-    </p:tnLst>
-  </p:timing>
 </p:sld>
 </file>
 
@@ -8290,13 +8137,13 @@
             <a:lstStyle/>
             <a:p>
               <a:r>
-                <a:rPr lang="en-US" sz="1200" dirty="0" smtClean="0"/>
+                <a:rPr lang="en-US" sz="1200" dirty="0"/>
                 <a:t>City C (60%)</a:t>
               </a:r>
             </a:p>
             <a:p>
               <a:r>
-                <a:rPr lang="en-US" sz="1200" dirty="0" smtClean="0"/>
+                <a:rPr lang="en-US" sz="1200" dirty="0"/>
                 <a:t>City A (40%)</a:t>
               </a:r>
               <a:endParaRPr lang="en-PH" sz="1200" dirty="0"/>
@@ -8326,13 +8173,13 @@
             <a:lstStyle/>
             <a:p>
               <a:r>
-                <a:rPr lang="en-US" sz="1200" dirty="0" smtClean="0"/>
+                <a:rPr lang="en-US" sz="1200" dirty="0"/>
                 <a:t>City B (80%)</a:t>
               </a:r>
             </a:p>
             <a:p>
               <a:r>
-                <a:rPr lang="en-US" sz="1200" dirty="0" smtClean="0"/>
+                <a:rPr lang="en-US" sz="1200" dirty="0"/>
                 <a:t>City C (20%)</a:t>
               </a:r>
               <a:endParaRPr lang="en-PH" sz="1200" dirty="0"/>
@@ -8362,13 +8209,13 @@
             <a:lstStyle/>
             <a:p>
               <a:r>
-                <a:rPr lang="en-US" sz="1200" dirty="0" smtClean="0"/>
+                <a:rPr lang="en-US" sz="1200" dirty="0"/>
                 <a:t>City A(90%)</a:t>
               </a:r>
             </a:p>
             <a:p>
               <a:r>
-                <a:rPr lang="en-US" sz="1200" dirty="0" smtClean="0"/>
+                <a:rPr lang="en-US" sz="1200" dirty="0"/>
                 <a:t>City B (10%)</a:t>
               </a:r>
               <a:endParaRPr lang="en-PH" sz="1200" dirty="0"/>
@@ -8398,13 +8245,13 @@
             <a:lstStyle/>
             <a:p>
               <a:r>
-                <a:rPr lang="en-US" sz="1200" dirty="0" smtClean="0"/>
+                <a:rPr lang="en-US" sz="1200" dirty="0"/>
                 <a:t>City B (75%)</a:t>
               </a:r>
             </a:p>
             <a:p>
               <a:r>
-                <a:rPr lang="en-US" sz="1200" dirty="0" smtClean="0"/>
+                <a:rPr lang="en-US" sz="1200" dirty="0"/>
                 <a:t>City C (25%)</a:t>
               </a:r>
               <a:endParaRPr lang="en-PH" sz="1200" dirty="0"/>
@@ -8434,13 +8281,13 @@
             <a:lstStyle/>
             <a:p>
               <a:r>
-                <a:rPr lang="en-US" sz="1200" dirty="0" smtClean="0"/>
+                <a:rPr lang="en-US" sz="1200" dirty="0"/>
                 <a:t>City B (95%)</a:t>
               </a:r>
             </a:p>
             <a:p>
               <a:r>
-                <a:rPr lang="en-US" sz="1200" dirty="0" smtClean="0"/>
+                <a:rPr lang="en-US" sz="1200" dirty="0"/>
                 <a:t>City A(5%)</a:t>
               </a:r>
               <a:endParaRPr lang="en-PH" sz="1200" dirty="0"/>
@@ -8470,13 +8317,13 @@
             <a:lstStyle/>
             <a:p>
               <a:r>
-                <a:rPr lang="en-US" sz="1200" dirty="0" smtClean="0"/>
+                <a:rPr lang="en-US" sz="1200" dirty="0"/>
                 <a:t>City C(85%)</a:t>
               </a:r>
             </a:p>
             <a:p>
               <a:r>
-                <a:rPr lang="en-US" sz="1200" dirty="0" smtClean="0"/>
+                <a:rPr lang="en-US" sz="1200" dirty="0"/>
                 <a:t>City A (15%)</a:t>
               </a:r>
               <a:endParaRPr lang="en-PH" sz="1200" dirty="0"/>
@@ -8506,13 +8353,13 @@
             <a:lstStyle/>
             <a:p>
               <a:r>
-                <a:rPr lang="en-US" sz="1200" dirty="0" smtClean="0"/>
+                <a:rPr lang="en-US" sz="1200" dirty="0"/>
                 <a:t>City A (70%)</a:t>
               </a:r>
             </a:p>
             <a:p>
               <a:r>
-                <a:rPr lang="en-US" sz="1200" dirty="0" smtClean="0"/>
+                <a:rPr lang="en-US" sz="1200" dirty="0"/>
                 <a:t>City C (30%)</a:t>
               </a:r>
               <a:endParaRPr lang="en-PH" sz="1200" dirty="0"/>
@@ -8542,13 +8389,13 @@
             <a:lstStyle/>
             <a:p>
               <a:r>
-                <a:rPr lang="en-US" sz="1200" dirty="0" smtClean="0"/>
+                <a:rPr lang="en-US" sz="1200" dirty="0"/>
                 <a:t>City C (60%)</a:t>
               </a:r>
             </a:p>
             <a:p>
               <a:r>
-                <a:rPr lang="en-US" sz="1200" dirty="0" smtClean="0"/>
+                <a:rPr lang="en-US" sz="1200" dirty="0"/>
                 <a:t>City A (40%)</a:t>
               </a:r>
               <a:endParaRPr lang="en-PH" sz="1200" dirty="0"/>
@@ -8566,13 +8413,6 @@
   <p:clrMapOvr>
     <a:masterClrMapping/>
   </p:clrMapOvr>
-  <p:timing>
-    <p:tnLst>
-      <p:par>
-        <p:cTn id="1" dur="indefinite" restart="never" nodeType="tmRoot"/>
-      </p:par>
-    </p:tnLst>
-  </p:timing>
 </p:sld>
 </file>
 
@@ -8616,7 +8456,7 @@
           <a:lstStyle/>
           <a:p>
             <a:r>
-              <a:rPr lang="en-US" sz="3200" b="1" dirty="0" smtClean="0"/>
+              <a:rPr lang="en-US" sz="3200" b="1" dirty="0"/>
               <a:t>4. Improving the Guess: </a:t>
             </a:r>
             <a:r>
@@ -9094,13 +8934,13 @@
             <a:lstStyle/>
             <a:p>
               <a:r>
-                <a:rPr lang="en-US" sz="1200" dirty="0" smtClean="0"/>
+                <a:rPr lang="en-US" sz="1200" dirty="0"/>
                 <a:t>City C (90%)</a:t>
               </a:r>
             </a:p>
             <a:p>
               <a:r>
-                <a:rPr lang="en-US" sz="1200" dirty="0" smtClean="0"/>
+                <a:rPr lang="en-US" sz="1200" dirty="0"/>
                 <a:t>City A (10%)</a:t>
               </a:r>
               <a:endParaRPr lang="en-PH" sz="1200" dirty="0"/>
@@ -9130,13 +8970,13 @@
             <a:lstStyle/>
             <a:p>
               <a:r>
-                <a:rPr lang="en-US" sz="1200" dirty="0" smtClean="0"/>
+                <a:rPr lang="en-US" sz="1200" dirty="0"/>
                 <a:t>City B (90%)</a:t>
               </a:r>
             </a:p>
             <a:p>
               <a:r>
-                <a:rPr lang="en-US" sz="1200" dirty="0" smtClean="0"/>
+                <a:rPr lang="en-US" sz="1200" dirty="0"/>
                 <a:t>City C (10%)</a:t>
               </a:r>
               <a:endParaRPr lang="en-PH" sz="1200" dirty="0"/>
@@ -9166,13 +9006,13 @@
             <a:lstStyle/>
             <a:p>
               <a:r>
-                <a:rPr lang="en-US" sz="1200" dirty="0" smtClean="0"/>
+                <a:rPr lang="en-US" sz="1200" dirty="0"/>
                 <a:t>City A (95%)</a:t>
               </a:r>
             </a:p>
             <a:p>
               <a:r>
-                <a:rPr lang="en-US" sz="1200" dirty="0" smtClean="0"/>
+                <a:rPr lang="en-US" sz="1200" dirty="0"/>
                 <a:t>City B (5%)</a:t>
               </a:r>
               <a:endParaRPr lang="en-PH" sz="1200" dirty="0"/>
@@ -9202,13 +9042,13 @@
             <a:lstStyle/>
             <a:p>
               <a:r>
-                <a:rPr lang="en-US" sz="1200" dirty="0" smtClean="0"/>
+                <a:rPr lang="en-US" sz="1200" dirty="0"/>
                 <a:t>City B (95%)</a:t>
               </a:r>
             </a:p>
             <a:p>
               <a:r>
-                <a:rPr lang="en-US" sz="1200" dirty="0" smtClean="0"/>
+                <a:rPr lang="en-US" sz="1200" dirty="0"/>
                 <a:t>City C (5%)</a:t>
               </a:r>
               <a:endParaRPr lang="en-PH" sz="1200" dirty="0"/>
@@ -9238,13 +9078,13 @@
             <a:lstStyle/>
             <a:p>
               <a:r>
-                <a:rPr lang="en-US" sz="1200" dirty="0" smtClean="0"/>
+                <a:rPr lang="en-US" sz="1200" dirty="0"/>
                 <a:t>City B (90%)</a:t>
               </a:r>
             </a:p>
             <a:p>
               <a:r>
-                <a:rPr lang="en-US" sz="1200" dirty="0" smtClean="0"/>
+                <a:rPr lang="en-US" sz="1200" dirty="0"/>
                 <a:t>City A (10%)</a:t>
               </a:r>
               <a:endParaRPr lang="en-PH" sz="1200" dirty="0"/>
@@ -9274,21 +9114,13 @@
             <a:lstStyle/>
             <a:p>
               <a:r>
-                <a:rPr lang="en-US" sz="1200" dirty="0" smtClean="0"/>
-                <a:t>City C (9</a:t>
-              </a:r>
-              <a:r>
                 <a:rPr lang="en-US" sz="1200" dirty="0"/>
-                <a:t>0</a:t>
-              </a:r>
-              <a:r>
-                <a:rPr lang="en-US" sz="1200" dirty="0" smtClean="0"/>
-                <a:t>%)</a:t>
+                <a:t>City C (90%)</a:t>
               </a:r>
             </a:p>
             <a:p>
               <a:r>
-                <a:rPr lang="en-US" sz="1200" dirty="0" smtClean="0"/>
+                <a:rPr lang="en-US" sz="1200" dirty="0"/>
                 <a:t>City A (10%)</a:t>
               </a:r>
               <a:endParaRPr lang="en-PH" sz="1200" dirty="0"/>
@@ -9318,13 +9150,13 @@
             <a:lstStyle/>
             <a:p>
               <a:r>
-                <a:rPr lang="en-US" sz="1200" dirty="0" smtClean="0"/>
+                <a:rPr lang="en-US" sz="1200" dirty="0"/>
                 <a:t>City A (90%)</a:t>
               </a:r>
             </a:p>
             <a:p>
               <a:r>
-                <a:rPr lang="en-US" sz="1200" dirty="0" smtClean="0"/>
+                <a:rPr lang="en-US" sz="1200" dirty="0"/>
                 <a:t>City C (10%)</a:t>
               </a:r>
               <a:endParaRPr lang="en-PH" sz="1200" dirty="0"/>
@@ -9354,13 +9186,13 @@
             <a:lstStyle/>
             <a:p>
               <a:r>
-                <a:rPr lang="en-US" sz="1200" dirty="0" smtClean="0"/>
+                <a:rPr lang="en-US" sz="1200" dirty="0"/>
                 <a:t>City C (90%)</a:t>
               </a:r>
             </a:p>
             <a:p>
               <a:r>
-                <a:rPr lang="en-US" sz="1200" dirty="0" smtClean="0"/>
+                <a:rPr lang="en-US" sz="1200" dirty="0"/>
                 <a:t>City A (10%)</a:t>
               </a:r>
               <a:endParaRPr lang="en-PH" sz="1200" dirty="0"/>
@@ -9378,13 +9210,6 @@
   <p:clrMapOvr>
     <a:masterClrMapping/>
   </p:clrMapOvr>
-  <p:timing>
-    <p:tnLst>
-      <p:par>
-        <p:cTn id="1" dur="indefinite" restart="never" nodeType="tmRoot"/>
-      </p:par>
-    </p:tnLst>
-  </p:timing>
 </p:sld>
 </file>
 
@@ -9910,13 +9735,13 @@
             <a:lstStyle/>
             <a:p>
               <a:r>
-                <a:rPr lang="en-US" sz="1200" dirty="0" smtClean="0"/>
+                <a:rPr lang="en-US" sz="1200" dirty="0"/>
                 <a:t>City C (90%)</a:t>
               </a:r>
             </a:p>
             <a:p>
               <a:r>
-                <a:rPr lang="en-US" sz="1200" dirty="0" smtClean="0"/>
+                <a:rPr lang="en-US" sz="1200" dirty="0"/>
                 <a:t>City A (10%)</a:t>
               </a:r>
               <a:endParaRPr lang="en-PH" sz="1200" dirty="0"/>
@@ -9946,13 +9771,13 @@
             <a:lstStyle/>
             <a:p>
               <a:r>
-                <a:rPr lang="en-US" sz="1200" dirty="0" smtClean="0"/>
+                <a:rPr lang="en-US" sz="1200" dirty="0"/>
                 <a:t>City B (90%)</a:t>
               </a:r>
             </a:p>
             <a:p>
               <a:r>
-                <a:rPr lang="en-US" sz="1200" dirty="0" smtClean="0"/>
+                <a:rPr lang="en-US" sz="1200" dirty="0"/>
                 <a:t>City C (10%)</a:t>
               </a:r>
               <a:endParaRPr lang="en-PH" sz="1200" dirty="0"/>
@@ -9982,13 +9807,13 @@
             <a:lstStyle/>
             <a:p>
               <a:r>
-                <a:rPr lang="en-US" sz="1200" dirty="0" smtClean="0"/>
+                <a:rPr lang="en-US" sz="1200" dirty="0"/>
                 <a:t>City A (95%)</a:t>
               </a:r>
             </a:p>
             <a:p>
               <a:r>
-                <a:rPr lang="en-US" sz="1200" dirty="0" smtClean="0"/>
+                <a:rPr lang="en-US" sz="1200" dirty="0"/>
                 <a:t>City B (5%)</a:t>
               </a:r>
               <a:endParaRPr lang="en-PH" sz="1200" dirty="0"/>
@@ -10018,13 +9843,13 @@
             <a:lstStyle/>
             <a:p>
               <a:r>
-                <a:rPr lang="en-US" sz="1200" dirty="0" smtClean="0"/>
+                <a:rPr lang="en-US" sz="1200" dirty="0"/>
                 <a:t>City B (95%)</a:t>
               </a:r>
             </a:p>
             <a:p>
               <a:r>
-                <a:rPr lang="en-US" sz="1200" dirty="0" smtClean="0"/>
+                <a:rPr lang="en-US" sz="1200" dirty="0"/>
                 <a:t>City C (5%)</a:t>
               </a:r>
               <a:endParaRPr lang="en-PH" sz="1200" dirty="0"/>
@@ -10054,13 +9879,13 @@
             <a:lstStyle/>
             <a:p>
               <a:r>
-                <a:rPr lang="en-US" sz="1200" dirty="0" smtClean="0"/>
+                <a:rPr lang="en-US" sz="1200" dirty="0"/>
                 <a:t>City B (90%)</a:t>
               </a:r>
             </a:p>
             <a:p>
               <a:r>
-                <a:rPr lang="en-US" sz="1200" dirty="0" smtClean="0"/>
+                <a:rPr lang="en-US" sz="1200" dirty="0"/>
                 <a:t>City A (10%)</a:t>
               </a:r>
               <a:endParaRPr lang="en-PH" sz="1200" dirty="0"/>
@@ -10090,21 +9915,13 @@
             <a:lstStyle/>
             <a:p>
               <a:r>
-                <a:rPr lang="en-US" sz="1200" dirty="0" smtClean="0"/>
-                <a:t>City C (9</a:t>
-              </a:r>
-              <a:r>
                 <a:rPr lang="en-US" sz="1200" dirty="0"/>
-                <a:t>0</a:t>
-              </a:r>
-              <a:r>
-                <a:rPr lang="en-US" sz="1200" dirty="0" smtClean="0"/>
-                <a:t>%)</a:t>
+                <a:t>City C (90%)</a:t>
               </a:r>
             </a:p>
             <a:p>
               <a:r>
-                <a:rPr lang="en-US" sz="1200" dirty="0" smtClean="0"/>
+                <a:rPr lang="en-US" sz="1200" dirty="0"/>
                 <a:t>City A (10%)</a:t>
               </a:r>
               <a:endParaRPr lang="en-PH" sz="1200" dirty="0"/>
@@ -10134,13 +9951,13 @@
             <a:lstStyle/>
             <a:p>
               <a:r>
-                <a:rPr lang="en-US" sz="1200" dirty="0" smtClean="0"/>
+                <a:rPr lang="en-US" sz="1200" dirty="0"/>
                 <a:t>City A (90%)</a:t>
               </a:r>
             </a:p>
             <a:p>
               <a:r>
-                <a:rPr lang="en-US" sz="1200" dirty="0" smtClean="0"/>
+                <a:rPr lang="en-US" sz="1200" dirty="0"/>
                 <a:t>City C (10%)</a:t>
               </a:r>
               <a:endParaRPr lang="en-PH" sz="1200" dirty="0"/>
@@ -10170,13 +9987,13 @@
             <a:lstStyle/>
             <a:p>
               <a:r>
-                <a:rPr lang="en-US" sz="1200" dirty="0" smtClean="0"/>
+                <a:rPr lang="en-US" sz="1200" dirty="0"/>
                 <a:t>City C (90%)</a:t>
               </a:r>
             </a:p>
             <a:p>
               <a:r>
-                <a:rPr lang="en-US" sz="1200" dirty="0" smtClean="0"/>
+                <a:rPr lang="en-US" sz="1200" dirty="0"/>
                 <a:t>City A (10%)</a:t>
               </a:r>
               <a:endParaRPr lang="en-PH" sz="1200" dirty="0"/>
@@ -10194,13 +10011,6 @@
   <p:clrMapOvr>
     <a:masterClrMapping/>
   </p:clrMapOvr>
-  <p:timing>
-    <p:tnLst>
-      <p:par>
-        <p:cTn id="1" dur="indefinite" restart="never" nodeType="tmRoot"/>
-      </p:par>
-    </p:tnLst>
-  </p:timing>
 </p:sld>
 </file>
 
@@ -10244,7 +10054,7 @@
           <a:lstStyle/>
           <a:p>
             <a:r>
-              <a:rPr lang="en-US" sz="3200" b="1" dirty="0" smtClean="0"/>
+              <a:rPr lang="en-US" sz="3200" b="1" dirty="0"/>
               <a:t>5. Result: </a:t>
             </a:r>
             <a:r>
@@ -10722,7 +10532,7 @@
             <a:lstStyle/>
             <a:p>
               <a:r>
-                <a:rPr lang="en-US" sz="1200" dirty="0" smtClean="0"/>
+                <a:rPr lang="en-US" sz="1200" dirty="0"/>
                 <a:t>City C</a:t>
               </a:r>
               <a:endParaRPr lang="en-PH" sz="1200" dirty="0"/>
@@ -10752,7 +10562,7 @@
             <a:lstStyle/>
             <a:p>
               <a:r>
-                <a:rPr lang="en-US" sz="1200" dirty="0" smtClean="0"/>
+                <a:rPr lang="en-US" sz="1200" dirty="0"/>
                 <a:t>City B</a:t>
               </a:r>
               <a:endParaRPr lang="en-PH" sz="1200" dirty="0"/>
@@ -10782,7 +10592,7 @@
             <a:lstStyle/>
             <a:p>
               <a:r>
-                <a:rPr lang="en-US" sz="1200" dirty="0" smtClean="0"/>
+                <a:rPr lang="en-US" sz="1200" dirty="0"/>
                 <a:t>City A</a:t>
               </a:r>
               <a:endParaRPr lang="en-PH" sz="1200" dirty="0"/>
@@ -10812,7 +10622,7 @@
             <a:lstStyle/>
             <a:p>
               <a:r>
-                <a:rPr lang="en-US" sz="1200" dirty="0" smtClean="0"/>
+                <a:rPr lang="en-US" sz="1200" dirty="0"/>
                 <a:t>City B</a:t>
               </a:r>
               <a:endParaRPr lang="en-PH" sz="1200" dirty="0"/>
@@ -10842,7 +10652,7 @@
             <a:lstStyle/>
             <a:p>
               <a:r>
-                <a:rPr lang="en-US" sz="1200" dirty="0" smtClean="0"/>
+                <a:rPr lang="en-US" sz="1200" dirty="0"/>
                 <a:t>City B</a:t>
               </a:r>
               <a:endParaRPr lang="en-PH" sz="1200" dirty="0"/>
@@ -10872,7 +10682,7 @@
             <a:lstStyle/>
             <a:p>
               <a:r>
-                <a:rPr lang="en-US" sz="1200" dirty="0" smtClean="0"/>
+                <a:rPr lang="en-US" sz="1200" dirty="0"/>
                 <a:t>City C</a:t>
               </a:r>
               <a:endParaRPr lang="en-PH" sz="1200" dirty="0"/>
@@ -10902,7 +10712,7 @@
             <a:lstStyle/>
             <a:p>
               <a:r>
-                <a:rPr lang="en-US" sz="1200" dirty="0" smtClean="0"/>
+                <a:rPr lang="en-US" sz="1200" dirty="0"/>
                 <a:t>City A</a:t>
               </a:r>
               <a:endParaRPr lang="en-PH" sz="1200" dirty="0"/>
@@ -10932,7 +10742,7 @@
             <a:lstStyle/>
             <a:p>
               <a:r>
-                <a:rPr lang="en-US" sz="1200" dirty="0" smtClean="0"/>
+                <a:rPr lang="en-US" sz="1200" dirty="0"/>
                 <a:t>City C</a:t>
               </a:r>
               <a:endParaRPr lang="en-PH" sz="1200" dirty="0"/>
@@ -10950,13 +10760,6 @@
   <p:clrMapOvr>
     <a:masterClrMapping/>
   </p:clrMapOvr>
-  <p:timing>
-    <p:tnLst>
-      <p:par>
-        <p:cTn id="1" dur="indefinite" restart="never" nodeType="tmRoot"/>
-      </p:par>
-    </p:tnLst>
-  </p:timing>
 </p:sld>
 </file>
 
@@ -10979,14 +10782,14 @@
       </p:grpSpPr>
       <p:sp>
         <p:nvSpPr>
-          <p:cNvPr id="6" name="TextBox 5"/>
+          <p:cNvPr id="4" name="TextBox 3"/>
           <p:cNvSpPr txBox="1"/>
           <p:nvPr/>
         </p:nvSpPr>
         <p:spPr>
           <a:xfrm>
-            <a:off x="721364" y="2562078"/>
-            <a:ext cx="10749281" cy="830997"/>
+            <a:off x="816666" y="2162427"/>
+            <a:ext cx="10558668" cy="1200329"/>
           </a:xfrm>
           <a:prstGeom prst="rect">
             <a:avLst/>
@@ -11001,23 +10804,10 @@
           <a:p>
             <a:pPr algn="ctr"/>
             <a:r>
-              <a:rPr lang="en-US" sz="4800" b="1" dirty="0">
-                <a:latin typeface="Arial" pitchFamily="34" charset="0"/>
-                <a:cs typeface="Arial" pitchFamily="34" charset="0"/>
-              </a:rPr>
-              <a:t>Thank you very much for listening</a:t>
-            </a:r>
-            <a:r>
-              <a:rPr lang="en-US" sz="3200" b="1" dirty="0">
-                <a:latin typeface="Arial" pitchFamily="34" charset="0"/>
-                <a:cs typeface="Arial" pitchFamily="34" charset="0"/>
-              </a:rPr>
-              <a:t>.</a:t>
-            </a:r>
-            <a:endParaRPr lang="en-US" sz="3200" b="1" dirty="0">
-              <a:solidFill>
-                <a:schemeClr val="accent2"/>
-              </a:solidFill>
+              <a:rPr lang="en-US" sz="7200" b="1" dirty="0"/>
+              <a:t>Tests for Normality</a:t>
+            </a:r>
+            <a:endParaRPr lang="en-US" sz="7200" b="1" dirty="0">
               <a:latin typeface="Arial" pitchFamily="34" charset="0"/>
               <a:cs typeface="Arial" pitchFamily="34" charset="0"/>
             </a:endParaRPr>
@@ -11027,20 +10817,245 @@
     </p:spTree>
     <p:extLst>
       <p:ext uri="{BB962C8B-B14F-4D97-AF65-F5344CB8AC3E}">
-        <p14:creationId xmlns:p14="http://schemas.microsoft.com/office/powerpoint/2010/main" val="1328378833"/>
+        <p14:creationId xmlns:p14="http://schemas.microsoft.com/office/powerpoint/2010/main" val="1980312155"/>
       </p:ext>
     </p:extLst>
   </p:cSld>
   <p:clrMapOvr>
     <a:masterClrMapping/>
   </p:clrMapOvr>
-  <p:timing>
-    <p:tnLst>
-      <p:par>
-        <p:cTn id="1" dur="indefinite" restart="never" nodeType="tmRoot"/>
-      </p:par>
-    </p:tnLst>
-  </p:timing>
+</p:sld>
+</file>
+
+<file path=ppt/slides/slide28.xml><?xml version="1.0" encoding="utf-8"?>
+<p:sld xmlns:a="http://schemas.openxmlformats.org/drawingml/2006/main" xmlns:r="http://schemas.openxmlformats.org/officeDocument/2006/relationships" xmlns:p="http://schemas.openxmlformats.org/presentationml/2006/main">
+  <p:cSld>
+    <p:spTree>
+      <p:nvGrpSpPr>
+        <p:cNvPr id="1" name=""/>
+        <p:cNvGrpSpPr/>
+        <p:nvPr/>
+      </p:nvGrpSpPr>
+      <p:grpSpPr>
+        <a:xfrm>
+          <a:off x="0" y="0"/>
+          <a:ext cx="0" cy="0"/>
+          <a:chOff x="0" y="0"/>
+          <a:chExt cx="0" cy="0"/>
+        </a:xfrm>
+      </p:grpSpPr>
+      <p:sp>
+        <p:nvSpPr>
+          <p:cNvPr id="4" name="TextBox 3"/>
+          <p:cNvSpPr txBox="1"/>
+          <p:nvPr/>
+        </p:nvSpPr>
+        <p:spPr>
+          <a:xfrm>
+            <a:off x="816666" y="1022740"/>
+            <a:ext cx="2272763" cy="707886"/>
+          </a:xfrm>
+          <a:prstGeom prst="rect">
+            <a:avLst/>
+          </a:prstGeom>
+          <a:noFill/>
+        </p:spPr>
+        <p:txBody>
+          <a:bodyPr wrap="square" rtlCol="0">
+            <a:spAutoFit/>
+          </a:bodyPr>
+          <a:lstStyle/>
+          <a:p>
+            <a:r>
+              <a:rPr lang="en-US" sz="4000" b="1" dirty="0"/>
+              <a:t>Q-Q Plot</a:t>
+            </a:r>
+            <a:endParaRPr lang="en-US" sz="4000" b="1" dirty="0">
+              <a:latin typeface="Arial" pitchFamily="34" charset="0"/>
+              <a:cs typeface="Arial" pitchFamily="34" charset="0"/>
+            </a:endParaRPr>
+          </a:p>
+        </p:txBody>
+      </p:sp>
+      <p:pic>
+        <p:nvPicPr>
+          <p:cNvPr id="3" name="Picture 2">
+            <a:extLst>
+              <a:ext uri="{FF2B5EF4-FFF2-40B4-BE49-F238E27FC236}">
+                <a16:creationId xmlns:a16="http://schemas.microsoft.com/office/drawing/2014/main" id="{26C54FAB-D0F6-47C9-AE59-B02EFF5E0F99}"/>
+              </a:ext>
+            </a:extLst>
+          </p:cNvPr>
+          <p:cNvPicPr>
+            <a:picLocks noChangeAspect="1"/>
+          </p:cNvPicPr>
+          <p:nvPr/>
+        </p:nvPicPr>
+        <p:blipFill>
+          <a:blip r:embed="rId2">
+            <a:extLst>
+              <a:ext uri="{28A0092B-C50C-407E-A947-70E740481C1C}">
+                <a14:useLocalDpi xmlns:a14="http://schemas.microsoft.com/office/drawing/2010/main" val="0"/>
+              </a:ext>
+            </a:extLst>
+          </a:blip>
+          <a:stretch>
+            <a:fillRect/>
+          </a:stretch>
+        </p:blipFill>
+        <p:spPr>
+          <a:xfrm>
+            <a:off x="3499775" y="1136988"/>
+            <a:ext cx="5192450" cy="4878063"/>
+          </a:xfrm>
+          <a:prstGeom prst="rect">
+            <a:avLst/>
+          </a:prstGeom>
+        </p:spPr>
+      </p:pic>
+    </p:spTree>
+    <p:extLst>
+      <p:ext uri="{BB962C8B-B14F-4D97-AF65-F5344CB8AC3E}">
+        <p14:creationId xmlns:p14="http://schemas.microsoft.com/office/powerpoint/2010/main" val="1280141386"/>
+      </p:ext>
+    </p:extLst>
+  </p:cSld>
+  <p:clrMapOvr>
+    <a:masterClrMapping/>
+  </p:clrMapOvr>
+</p:sld>
+</file>
+
+<file path=ppt/slides/slide29.xml><?xml version="1.0" encoding="utf-8"?>
+<p:sld xmlns:a="http://schemas.openxmlformats.org/drawingml/2006/main" xmlns:r="http://schemas.openxmlformats.org/officeDocument/2006/relationships" xmlns:p="http://schemas.openxmlformats.org/presentationml/2006/main">
+  <p:cSld>
+    <p:spTree>
+      <p:nvGrpSpPr>
+        <p:cNvPr id="1" name=""/>
+        <p:cNvGrpSpPr/>
+        <p:nvPr/>
+      </p:nvGrpSpPr>
+      <p:grpSpPr>
+        <a:xfrm>
+          <a:off x="0" y="0"/>
+          <a:ext cx="0" cy="0"/>
+          <a:chOff x="0" y="0"/>
+          <a:chExt cx="0" cy="0"/>
+        </a:xfrm>
+      </p:grpSpPr>
+      <p:sp>
+        <p:nvSpPr>
+          <p:cNvPr id="4" name="TextBox 3"/>
+          <p:cNvSpPr txBox="1"/>
+          <p:nvPr/>
+        </p:nvSpPr>
+        <p:spPr>
+          <a:xfrm>
+            <a:off x="802810" y="1075486"/>
+            <a:ext cx="4739008" cy="2000548"/>
+          </a:xfrm>
+          <a:prstGeom prst="rect">
+            <a:avLst/>
+          </a:prstGeom>
+          <a:noFill/>
+        </p:spPr>
+        <p:txBody>
+          <a:bodyPr wrap="square" rtlCol="0">
+            <a:spAutoFit/>
+          </a:bodyPr>
+          <a:lstStyle/>
+          <a:p>
+            <a:r>
+              <a:rPr lang="en-US" sz="4000" b="1" dirty="0"/>
+              <a:t>Shapiro – Wilk Test</a:t>
+            </a:r>
+          </a:p>
+          <a:p>
+            <a:endParaRPr lang="en-US" sz="4000" b="1" dirty="0">
+              <a:latin typeface="Arial" pitchFamily="34" charset="0"/>
+              <a:cs typeface="Arial" pitchFamily="34" charset="0"/>
+            </a:endParaRPr>
+          </a:p>
+          <a:p>
+            <a:r>
+              <a:rPr lang="en-US" sz="2000" b="1" dirty="0">
+                <a:latin typeface="Arial" pitchFamily="34" charset="0"/>
+                <a:cs typeface="Arial" pitchFamily="34" charset="0"/>
+              </a:rPr>
+              <a:t>if p-value &lt;= 0.05 (Non </a:t>
+            </a:r>
+            <a:r>
+              <a:rPr lang="en-US" sz="2000" b="1" dirty="0" err="1">
+                <a:latin typeface="Arial" pitchFamily="34" charset="0"/>
+                <a:cs typeface="Arial" pitchFamily="34" charset="0"/>
+              </a:rPr>
+              <a:t>Gausssian</a:t>
+            </a:r>
+            <a:r>
+              <a:rPr lang="en-US" sz="2000" b="1" dirty="0">
+                <a:latin typeface="Arial" pitchFamily="34" charset="0"/>
+                <a:cs typeface="Arial" pitchFamily="34" charset="0"/>
+              </a:rPr>
+              <a:t>)</a:t>
+            </a:r>
+          </a:p>
+          <a:p>
+            <a:r>
+              <a:rPr lang="en-US" sz="2000" b="1" dirty="0">
+                <a:latin typeface="Arial" pitchFamily="34" charset="0"/>
+                <a:cs typeface="Arial" pitchFamily="34" charset="0"/>
+              </a:rPr>
+              <a:t>if p-values &gt; 0.05 (Gaussian)</a:t>
+            </a:r>
+          </a:p>
+        </p:txBody>
+      </p:sp>
+      <p:pic>
+        <p:nvPicPr>
+          <p:cNvPr id="5" name="Picture 4">
+            <a:extLst>
+              <a:ext uri="{FF2B5EF4-FFF2-40B4-BE49-F238E27FC236}">
+                <a16:creationId xmlns:a16="http://schemas.microsoft.com/office/drawing/2014/main" id="{49BD4223-89C9-417C-8A95-75E0D58C7D3C}"/>
+              </a:ext>
+            </a:extLst>
+          </p:cNvPr>
+          <p:cNvPicPr>
+            <a:picLocks noChangeAspect="1"/>
+          </p:cNvPicPr>
+          <p:nvPr/>
+        </p:nvPicPr>
+        <p:blipFill>
+          <a:blip r:embed="rId2">
+            <a:extLst>
+              <a:ext uri="{28A0092B-C50C-407E-A947-70E740481C1C}">
+                <a14:useLocalDpi xmlns:a14="http://schemas.microsoft.com/office/drawing/2010/main" val="0"/>
+              </a:ext>
+            </a:extLst>
+          </a:blip>
+          <a:stretch>
+            <a:fillRect/>
+          </a:stretch>
+        </p:blipFill>
+        <p:spPr>
+          <a:xfrm>
+            <a:off x="5915217" y="1075486"/>
+            <a:ext cx="5113002" cy="5006110"/>
+          </a:xfrm>
+          <a:prstGeom prst="rect">
+            <a:avLst/>
+          </a:prstGeom>
+        </p:spPr>
+      </p:pic>
+    </p:spTree>
+    <p:extLst>
+      <p:ext uri="{BB962C8B-B14F-4D97-AF65-F5344CB8AC3E}">
+        <p14:creationId xmlns:p14="http://schemas.microsoft.com/office/powerpoint/2010/main" val="1690354444"/>
+      </p:ext>
+    </p:extLst>
+  </p:cSld>
+  <p:clrMapOvr>
+    <a:masterClrMapping/>
+  </p:clrMapOvr>
 </p:sld>
 </file>
 
@@ -11084,13 +11099,12 @@
           <a:lstStyle/>
           <a:p>
             <a:r>
-              <a:rPr lang="en-US" sz="4400" b="1" dirty="0" smtClean="0"/>
+              <a:rPr lang="en-US" sz="4400" b="1" dirty="0"/>
               <a:t>Mixture of Gaussians</a:t>
             </a:r>
-            <a:endParaRPr lang="en-US" sz="4400" b="1" dirty="0" smtClean="0"/>
-          </a:p>
-          <a:p>
-            <a:endParaRPr lang="en-US" dirty="0" smtClean="0"/>
+          </a:p>
+          <a:p>
+            <a:endParaRPr lang="en-US" dirty="0"/>
           </a:p>
           <a:p>
             <a:r>
@@ -11105,7 +11119,6 @@
               <a:rPr lang="en-US" sz="3600" dirty="0"/>
               <a:t> assumes that the data is generated from a mixture of several bell curves (each representing a different group or cluster).</a:t>
             </a:r>
-            <a:endParaRPr lang="en-US" sz="3600" dirty="0"/>
           </a:p>
         </p:txBody>
       </p:sp>
@@ -11119,13 +11132,601 @@
   <p:clrMapOvr>
     <a:masterClrMapping/>
   </p:clrMapOvr>
-  <p:timing>
-    <p:tnLst>
-      <p:par>
-        <p:cTn id="1" dur="indefinite" restart="never" nodeType="tmRoot"/>
-      </p:par>
-    </p:tnLst>
-  </p:timing>
+</p:sld>
+</file>
+
+<file path=ppt/slides/slide30.xml><?xml version="1.0" encoding="utf-8"?>
+<p:sld xmlns:a="http://schemas.openxmlformats.org/drawingml/2006/main" xmlns:r="http://schemas.openxmlformats.org/officeDocument/2006/relationships" xmlns:p="http://schemas.openxmlformats.org/presentationml/2006/main">
+  <p:cSld>
+    <p:spTree>
+      <p:nvGrpSpPr>
+        <p:cNvPr id="1" name=""/>
+        <p:cNvGrpSpPr/>
+        <p:nvPr/>
+      </p:nvGrpSpPr>
+      <p:grpSpPr>
+        <a:xfrm>
+          <a:off x="0" y="0"/>
+          <a:ext cx="0" cy="0"/>
+          <a:chOff x="0" y="0"/>
+          <a:chExt cx="0" cy="0"/>
+        </a:xfrm>
+      </p:grpSpPr>
+      <p:sp>
+        <p:nvSpPr>
+          <p:cNvPr id="4" name="TextBox 3"/>
+          <p:cNvSpPr txBox="1"/>
+          <p:nvPr/>
+        </p:nvSpPr>
+        <p:spPr>
+          <a:xfrm>
+            <a:off x="650410" y="2056194"/>
+            <a:ext cx="4739008" cy="707886"/>
+          </a:xfrm>
+          <a:prstGeom prst="rect">
+            <a:avLst/>
+          </a:prstGeom>
+          <a:noFill/>
+        </p:spPr>
+        <p:txBody>
+          <a:bodyPr wrap="square" rtlCol="0">
+            <a:spAutoFit/>
+          </a:bodyPr>
+          <a:lstStyle/>
+          <a:p>
+            <a:r>
+              <a:rPr lang="en-US" sz="2000" b="1" dirty="0">
+                <a:latin typeface="Arial" pitchFamily="34" charset="0"/>
+                <a:cs typeface="Arial" pitchFamily="34" charset="0"/>
+              </a:rPr>
+              <a:t>if p-value &lt;= 0.05 (Non </a:t>
+            </a:r>
+            <a:r>
+              <a:rPr lang="en-US" sz="2000" b="1" dirty="0" err="1">
+                <a:latin typeface="Arial" pitchFamily="34" charset="0"/>
+                <a:cs typeface="Arial" pitchFamily="34" charset="0"/>
+              </a:rPr>
+              <a:t>Gausssian</a:t>
+            </a:r>
+            <a:r>
+              <a:rPr lang="en-US" sz="2000" b="1" dirty="0">
+                <a:latin typeface="Arial" pitchFamily="34" charset="0"/>
+                <a:cs typeface="Arial" pitchFamily="34" charset="0"/>
+              </a:rPr>
+              <a:t>)</a:t>
+            </a:r>
+          </a:p>
+          <a:p>
+            <a:r>
+              <a:rPr lang="en-US" sz="2000" b="1" dirty="0">
+                <a:latin typeface="Arial" pitchFamily="34" charset="0"/>
+                <a:cs typeface="Arial" pitchFamily="34" charset="0"/>
+              </a:rPr>
+              <a:t>if p-values &gt; 0.05 (Gaussian)</a:t>
+            </a:r>
+          </a:p>
+        </p:txBody>
+      </p:sp>
+      <p:pic>
+        <p:nvPicPr>
+          <p:cNvPr id="3" name="Picture 2">
+            <a:extLst>
+              <a:ext uri="{FF2B5EF4-FFF2-40B4-BE49-F238E27FC236}">
+                <a16:creationId xmlns:a16="http://schemas.microsoft.com/office/drawing/2014/main" id="{DE5800AE-3E4A-4782-A9BF-A44C5AEB8A66}"/>
+              </a:ext>
+            </a:extLst>
+          </p:cNvPr>
+          <p:cNvPicPr>
+            <a:picLocks noChangeAspect="1"/>
+          </p:cNvPicPr>
+          <p:nvPr/>
+        </p:nvPicPr>
+        <p:blipFill>
+          <a:blip r:embed="rId2">
+            <a:extLst>
+              <a:ext uri="{28A0092B-C50C-407E-A947-70E740481C1C}">
+                <a14:useLocalDpi xmlns:a14="http://schemas.microsoft.com/office/drawing/2010/main" val="0"/>
+              </a:ext>
+            </a:extLst>
+          </a:blip>
+          <a:stretch>
+            <a:fillRect/>
+          </a:stretch>
+        </p:blipFill>
+        <p:spPr>
+          <a:xfrm>
+            <a:off x="5099168" y="2056194"/>
+            <a:ext cx="6635133" cy="3635089"/>
+          </a:xfrm>
+          <a:prstGeom prst="rect">
+            <a:avLst/>
+          </a:prstGeom>
+        </p:spPr>
+      </p:pic>
+      <p:sp>
+        <p:nvSpPr>
+          <p:cNvPr id="6" name="TextBox 5">
+            <a:extLst>
+              <a:ext uri="{FF2B5EF4-FFF2-40B4-BE49-F238E27FC236}">
+                <a16:creationId xmlns:a16="http://schemas.microsoft.com/office/drawing/2014/main" id="{EC2B9BD4-415A-4C4B-A9FA-AEB315CB30A9}"/>
+              </a:ext>
+            </a:extLst>
+          </p:cNvPr>
+          <p:cNvSpPr txBox="1"/>
+          <p:nvPr/>
+        </p:nvSpPr>
+        <p:spPr>
+          <a:xfrm>
+            <a:off x="650410" y="1166717"/>
+            <a:ext cx="10586380" cy="707886"/>
+          </a:xfrm>
+          <a:prstGeom prst="rect">
+            <a:avLst/>
+          </a:prstGeom>
+          <a:noFill/>
+        </p:spPr>
+        <p:txBody>
+          <a:bodyPr wrap="square" rtlCol="0">
+            <a:spAutoFit/>
+          </a:bodyPr>
+          <a:lstStyle/>
+          <a:p>
+            <a:r>
+              <a:rPr lang="en-US" sz="4000" b="1" dirty="0"/>
+              <a:t>Kolmogorov-Smirnov Test</a:t>
+            </a:r>
+          </a:p>
+        </p:txBody>
+      </p:sp>
+    </p:spTree>
+    <p:extLst>
+      <p:ext uri="{BB962C8B-B14F-4D97-AF65-F5344CB8AC3E}">
+        <p14:creationId xmlns:p14="http://schemas.microsoft.com/office/powerpoint/2010/main" val="2833353096"/>
+      </p:ext>
+    </p:extLst>
+  </p:cSld>
+  <p:clrMapOvr>
+    <a:masterClrMapping/>
+  </p:clrMapOvr>
+</p:sld>
+</file>
+
+<file path=ppt/slides/slide31.xml><?xml version="1.0" encoding="utf-8"?>
+<p:sld xmlns:a="http://schemas.openxmlformats.org/drawingml/2006/main" xmlns:r="http://schemas.openxmlformats.org/officeDocument/2006/relationships" xmlns:p="http://schemas.openxmlformats.org/presentationml/2006/main">
+  <p:cSld>
+    <p:spTree>
+      <p:nvGrpSpPr>
+        <p:cNvPr id="1" name=""/>
+        <p:cNvGrpSpPr/>
+        <p:nvPr/>
+      </p:nvGrpSpPr>
+      <p:grpSpPr>
+        <a:xfrm>
+          <a:off x="0" y="0"/>
+          <a:ext cx="0" cy="0"/>
+          <a:chOff x="0" y="0"/>
+          <a:chExt cx="0" cy="0"/>
+        </a:xfrm>
+      </p:grpSpPr>
+      <p:sp>
+        <p:nvSpPr>
+          <p:cNvPr id="4" name="TextBox 3"/>
+          <p:cNvSpPr txBox="1"/>
+          <p:nvPr/>
+        </p:nvSpPr>
+        <p:spPr>
+          <a:xfrm>
+            <a:off x="650410" y="1719887"/>
+            <a:ext cx="10837295" cy="1015663"/>
+          </a:xfrm>
+          <a:prstGeom prst="rect">
+            <a:avLst/>
+          </a:prstGeom>
+          <a:noFill/>
+        </p:spPr>
+        <p:txBody>
+          <a:bodyPr wrap="square" rtlCol="0">
+            <a:spAutoFit/>
+          </a:bodyPr>
+          <a:lstStyle/>
+          <a:p>
+            <a:r>
+              <a:rPr lang="en-US" sz="2000" b="1" dirty="0">
+                <a:latin typeface="Arial" pitchFamily="34" charset="0"/>
+                <a:cs typeface="Arial" pitchFamily="34" charset="0"/>
+              </a:rPr>
+              <a:t>A skewness value between -1 and +1 is excellent, while -2 to +2 is generally acceptable.</a:t>
+            </a:r>
+          </a:p>
+          <a:p>
+            <a:endParaRPr lang="en-US" sz="2000" b="1" dirty="0">
+              <a:latin typeface="Arial" pitchFamily="34" charset="0"/>
+              <a:cs typeface="Arial" pitchFamily="34" charset="0"/>
+            </a:endParaRPr>
+          </a:p>
+          <a:p>
+            <a:r>
+              <a:rPr lang="en-US" sz="2000" b="1" dirty="0">
+                <a:latin typeface="Arial" pitchFamily="34" charset="0"/>
+                <a:cs typeface="Arial" pitchFamily="34" charset="0"/>
+              </a:rPr>
+              <a:t>Values beyond -2 and +2 suggest substantial nonnormality (Hair et al., 2022, p. 66).</a:t>
+            </a:r>
+          </a:p>
+        </p:txBody>
+      </p:sp>
+      <p:sp>
+        <p:nvSpPr>
+          <p:cNvPr id="6" name="TextBox 5">
+            <a:extLst>
+              <a:ext uri="{FF2B5EF4-FFF2-40B4-BE49-F238E27FC236}">
+                <a16:creationId xmlns:a16="http://schemas.microsoft.com/office/drawing/2014/main" id="{EC2B9BD4-415A-4C4B-A9FA-AEB315CB30A9}"/>
+              </a:ext>
+            </a:extLst>
+          </p:cNvPr>
+          <p:cNvSpPr txBox="1"/>
+          <p:nvPr/>
+        </p:nvSpPr>
+        <p:spPr>
+          <a:xfrm>
+            <a:off x="650410" y="903570"/>
+            <a:ext cx="10586380" cy="707886"/>
+          </a:xfrm>
+          <a:prstGeom prst="rect">
+            <a:avLst/>
+          </a:prstGeom>
+          <a:noFill/>
+        </p:spPr>
+        <p:txBody>
+          <a:bodyPr wrap="square" rtlCol="0">
+            <a:spAutoFit/>
+          </a:bodyPr>
+          <a:lstStyle/>
+          <a:p>
+            <a:r>
+              <a:rPr lang="en-US" sz="4000" b="1" dirty="0"/>
+              <a:t>Skewness Test</a:t>
+            </a:r>
+          </a:p>
+        </p:txBody>
+      </p:sp>
+      <p:pic>
+        <p:nvPicPr>
+          <p:cNvPr id="5" name="Picture 4">
+            <a:extLst>
+              <a:ext uri="{FF2B5EF4-FFF2-40B4-BE49-F238E27FC236}">
+                <a16:creationId xmlns:a16="http://schemas.microsoft.com/office/drawing/2014/main" id="{91B15DC4-D27B-49F5-A61A-B02B7F81F40A}"/>
+              </a:ext>
+            </a:extLst>
+          </p:cNvPr>
+          <p:cNvPicPr>
+            <a:picLocks noChangeAspect="1"/>
+          </p:cNvPicPr>
+          <p:nvPr/>
+        </p:nvPicPr>
+        <p:blipFill>
+          <a:blip r:embed="rId2">
+            <a:extLst>
+              <a:ext uri="{28A0092B-C50C-407E-A947-70E740481C1C}">
+                <a14:useLocalDpi xmlns:a14="http://schemas.microsoft.com/office/drawing/2010/main" val="0"/>
+              </a:ext>
+            </a:extLst>
+          </a:blip>
+          <a:stretch>
+            <a:fillRect/>
+          </a:stretch>
+        </p:blipFill>
+        <p:spPr>
+          <a:xfrm>
+            <a:off x="2231068" y="3155556"/>
+            <a:ext cx="7223649" cy="2798874"/>
+          </a:xfrm>
+          <a:prstGeom prst="rect">
+            <a:avLst/>
+          </a:prstGeom>
+        </p:spPr>
+      </p:pic>
+    </p:spTree>
+    <p:extLst>
+      <p:ext uri="{BB962C8B-B14F-4D97-AF65-F5344CB8AC3E}">
+        <p14:creationId xmlns:p14="http://schemas.microsoft.com/office/powerpoint/2010/main" val="1666410791"/>
+      </p:ext>
+    </p:extLst>
+  </p:cSld>
+  <p:clrMapOvr>
+    <a:masterClrMapping/>
+  </p:clrMapOvr>
+</p:sld>
+</file>
+
+<file path=ppt/slides/slide32.xml><?xml version="1.0" encoding="utf-8"?>
+<p:sld xmlns:a="http://schemas.openxmlformats.org/drawingml/2006/main" xmlns:r="http://schemas.openxmlformats.org/officeDocument/2006/relationships" xmlns:p="http://schemas.openxmlformats.org/presentationml/2006/main">
+  <p:cSld>
+    <p:spTree>
+      <p:nvGrpSpPr>
+        <p:cNvPr id="1" name=""/>
+        <p:cNvGrpSpPr/>
+        <p:nvPr/>
+      </p:nvGrpSpPr>
+      <p:grpSpPr>
+        <a:xfrm>
+          <a:off x="0" y="0"/>
+          <a:ext cx="0" cy="0"/>
+          <a:chOff x="0" y="0"/>
+          <a:chExt cx="0" cy="0"/>
+        </a:xfrm>
+      </p:grpSpPr>
+      <p:sp>
+        <p:nvSpPr>
+          <p:cNvPr id="4" name="TextBox 3"/>
+          <p:cNvSpPr txBox="1"/>
+          <p:nvPr/>
+        </p:nvSpPr>
+        <p:spPr>
+          <a:xfrm>
+            <a:off x="650410" y="1719887"/>
+            <a:ext cx="10837295" cy="1015663"/>
+          </a:xfrm>
+          <a:prstGeom prst="rect">
+            <a:avLst/>
+          </a:prstGeom>
+          <a:noFill/>
+        </p:spPr>
+        <p:txBody>
+          <a:bodyPr wrap="square" rtlCol="0">
+            <a:spAutoFit/>
+          </a:bodyPr>
+          <a:lstStyle/>
+          <a:p>
+            <a:r>
+              <a:rPr lang="en-US" sz="2000" b="1" dirty="0">
+                <a:latin typeface="Arial" pitchFamily="34" charset="0"/>
+                <a:cs typeface="Arial" pitchFamily="34" charset="0"/>
+              </a:rPr>
+              <a:t>The values for asymmetry and kurtosis between -2 and +2 are considered</a:t>
+            </a:r>
+          </a:p>
+          <a:p>
+            <a:endParaRPr lang="en-US" sz="2000" b="1" dirty="0">
+              <a:latin typeface="Arial" pitchFamily="34" charset="0"/>
+              <a:cs typeface="Arial" pitchFamily="34" charset="0"/>
+            </a:endParaRPr>
+          </a:p>
+          <a:p>
+            <a:r>
+              <a:rPr lang="en-US" sz="2000" b="1" dirty="0">
+                <a:latin typeface="Arial" pitchFamily="34" charset="0"/>
+                <a:cs typeface="Arial" pitchFamily="34" charset="0"/>
+              </a:rPr>
+              <a:t>Acceptable in order to prove normal univariate distribution (George &amp; Mallery, 2010).</a:t>
+            </a:r>
+          </a:p>
+        </p:txBody>
+      </p:sp>
+      <p:sp>
+        <p:nvSpPr>
+          <p:cNvPr id="6" name="TextBox 5">
+            <a:extLst>
+              <a:ext uri="{FF2B5EF4-FFF2-40B4-BE49-F238E27FC236}">
+                <a16:creationId xmlns:a16="http://schemas.microsoft.com/office/drawing/2014/main" id="{EC2B9BD4-415A-4C4B-A9FA-AEB315CB30A9}"/>
+              </a:ext>
+            </a:extLst>
+          </p:cNvPr>
+          <p:cNvSpPr txBox="1"/>
+          <p:nvPr/>
+        </p:nvSpPr>
+        <p:spPr>
+          <a:xfrm>
+            <a:off x="650410" y="903570"/>
+            <a:ext cx="10586380" cy="707886"/>
+          </a:xfrm>
+          <a:prstGeom prst="rect">
+            <a:avLst/>
+          </a:prstGeom>
+          <a:noFill/>
+        </p:spPr>
+        <p:txBody>
+          <a:bodyPr wrap="square" rtlCol="0">
+            <a:spAutoFit/>
+          </a:bodyPr>
+          <a:lstStyle/>
+          <a:p>
+            <a:r>
+              <a:rPr lang="en-US" sz="4000" b="1" dirty="0"/>
+              <a:t>Kurtosis Test</a:t>
+            </a:r>
+          </a:p>
+        </p:txBody>
+      </p:sp>
+      <p:pic>
+        <p:nvPicPr>
+          <p:cNvPr id="3" name="Picture 2">
+            <a:extLst>
+              <a:ext uri="{FF2B5EF4-FFF2-40B4-BE49-F238E27FC236}">
+                <a16:creationId xmlns:a16="http://schemas.microsoft.com/office/drawing/2014/main" id="{3B7F952B-4E82-490E-B368-E9BBC04516C8}"/>
+              </a:ext>
+            </a:extLst>
+          </p:cNvPr>
+          <p:cNvPicPr>
+            <a:picLocks noChangeAspect="1"/>
+          </p:cNvPicPr>
+          <p:nvPr/>
+        </p:nvPicPr>
+        <p:blipFill>
+          <a:blip r:embed="rId2">
+            <a:extLst>
+              <a:ext uri="{28A0092B-C50C-407E-A947-70E740481C1C}">
+                <a14:useLocalDpi xmlns:a14="http://schemas.microsoft.com/office/drawing/2010/main" val="0"/>
+              </a:ext>
+            </a:extLst>
+          </a:blip>
+          <a:stretch>
+            <a:fillRect/>
+          </a:stretch>
+        </p:blipFill>
+        <p:spPr>
+          <a:xfrm>
+            <a:off x="3025151" y="2943045"/>
+            <a:ext cx="5382003" cy="3085683"/>
+          </a:xfrm>
+          <a:prstGeom prst="rect">
+            <a:avLst/>
+          </a:prstGeom>
+        </p:spPr>
+      </p:pic>
+    </p:spTree>
+    <p:extLst>
+      <p:ext uri="{BB962C8B-B14F-4D97-AF65-F5344CB8AC3E}">
+        <p14:creationId xmlns:p14="http://schemas.microsoft.com/office/powerpoint/2010/main" val="3711782543"/>
+      </p:ext>
+    </p:extLst>
+  </p:cSld>
+  <p:clrMapOvr>
+    <a:masterClrMapping/>
+  </p:clrMapOvr>
+</p:sld>
+</file>
+
+<file path=ppt/slides/slide33.xml><?xml version="1.0" encoding="utf-8"?>
+<p:sld xmlns:a="http://schemas.openxmlformats.org/drawingml/2006/main" xmlns:r="http://schemas.openxmlformats.org/officeDocument/2006/relationships" xmlns:p="http://schemas.openxmlformats.org/presentationml/2006/main">
+  <p:cSld>
+    <p:spTree>
+      <p:nvGrpSpPr>
+        <p:cNvPr id="1" name=""/>
+        <p:cNvGrpSpPr/>
+        <p:nvPr/>
+      </p:nvGrpSpPr>
+      <p:grpSpPr>
+        <a:xfrm>
+          <a:off x="0" y="0"/>
+          <a:ext cx="0" cy="0"/>
+          <a:chOff x="0" y="0"/>
+          <a:chExt cx="0" cy="0"/>
+        </a:xfrm>
+      </p:grpSpPr>
+      <p:pic>
+        <p:nvPicPr>
+          <p:cNvPr id="5" name="Picture 4">
+            <a:extLst>
+              <a:ext uri="{FF2B5EF4-FFF2-40B4-BE49-F238E27FC236}">
+                <a16:creationId xmlns:a16="http://schemas.microsoft.com/office/drawing/2014/main" id="{CFF16100-234F-4980-A1A4-50405B50FE31}"/>
+              </a:ext>
+            </a:extLst>
+          </p:cNvPr>
+          <p:cNvPicPr>
+            <a:picLocks noChangeAspect="1"/>
+          </p:cNvPicPr>
+          <p:nvPr/>
+        </p:nvPicPr>
+        <p:blipFill>
+          <a:blip r:embed="rId2">
+            <a:extLst>
+              <a:ext uri="{28A0092B-C50C-407E-A947-70E740481C1C}">
+                <a14:useLocalDpi xmlns:a14="http://schemas.microsoft.com/office/drawing/2010/main" val="0"/>
+              </a:ext>
+            </a:extLst>
+          </a:blip>
+          <a:stretch>
+            <a:fillRect/>
+          </a:stretch>
+        </p:blipFill>
+        <p:spPr>
+          <a:xfrm>
+            <a:off x="2251945" y="1028640"/>
+            <a:ext cx="7688109" cy="4800719"/>
+          </a:xfrm>
+          <a:prstGeom prst="rect">
+            <a:avLst/>
+          </a:prstGeom>
+        </p:spPr>
+      </p:pic>
+    </p:spTree>
+    <p:extLst>
+      <p:ext uri="{BB962C8B-B14F-4D97-AF65-F5344CB8AC3E}">
+        <p14:creationId xmlns:p14="http://schemas.microsoft.com/office/powerpoint/2010/main" val="1141654857"/>
+      </p:ext>
+    </p:extLst>
+  </p:cSld>
+  <p:clrMapOvr>
+    <a:masterClrMapping/>
+  </p:clrMapOvr>
+</p:sld>
+</file>
+
+<file path=ppt/slides/slide34.xml><?xml version="1.0" encoding="utf-8"?>
+<p:sld xmlns:a="http://schemas.openxmlformats.org/drawingml/2006/main" xmlns:r="http://schemas.openxmlformats.org/officeDocument/2006/relationships" xmlns:p="http://schemas.openxmlformats.org/presentationml/2006/main">
+  <p:cSld>
+    <p:spTree>
+      <p:nvGrpSpPr>
+        <p:cNvPr id="1" name=""/>
+        <p:cNvGrpSpPr/>
+        <p:nvPr/>
+      </p:nvGrpSpPr>
+      <p:grpSpPr>
+        <a:xfrm>
+          <a:off x="0" y="0"/>
+          <a:ext cx="0" cy="0"/>
+          <a:chOff x="0" y="0"/>
+          <a:chExt cx="0" cy="0"/>
+        </a:xfrm>
+      </p:grpSpPr>
+      <p:sp>
+        <p:nvSpPr>
+          <p:cNvPr id="6" name="TextBox 5"/>
+          <p:cNvSpPr txBox="1"/>
+          <p:nvPr/>
+        </p:nvSpPr>
+        <p:spPr>
+          <a:xfrm>
+            <a:off x="721364" y="2562078"/>
+            <a:ext cx="10749281" cy="830997"/>
+          </a:xfrm>
+          <a:prstGeom prst="rect">
+            <a:avLst/>
+          </a:prstGeom>
+          <a:noFill/>
+        </p:spPr>
+        <p:txBody>
+          <a:bodyPr wrap="square" rtlCol="0">
+            <a:spAutoFit/>
+          </a:bodyPr>
+          <a:lstStyle/>
+          <a:p>
+            <a:pPr algn="ctr"/>
+            <a:r>
+              <a:rPr lang="en-US" sz="4800" b="1" dirty="0">
+                <a:latin typeface="Arial" pitchFamily="34" charset="0"/>
+                <a:cs typeface="Arial" pitchFamily="34" charset="0"/>
+              </a:rPr>
+              <a:t>Thank you very much for listening</a:t>
+            </a:r>
+            <a:r>
+              <a:rPr lang="en-US" sz="3200" b="1" dirty="0">
+                <a:latin typeface="Arial" pitchFamily="34" charset="0"/>
+                <a:cs typeface="Arial" pitchFamily="34" charset="0"/>
+              </a:rPr>
+              <a:t>.</a:t>
+            </a:r>
+            <a:endParaRPr lang="en-US" sz="3200" b="1" dirty="0">
+              <a:solidFill>
+                <a:schemeClr val="accent2"/>
+              </a:solidFill>
+              <a:latin typeface="Arial" pitchFamily="34" charset="0"/>
+              <a:cs typeface="Arial" pitchFamily="34" charset="0"/>
+            </a:endParaRPr>
+          </a:p>
+        </p:txBody>
+      </p:sp>
+    </p:spTree>
+    <p:extLst>
+      <p:ext uri="{BB962C8B-B14F-4D97-AF65-F5344CB8AC3E}">
+        <p14:creationId xmlns:p14="http://schemas.microsoft.com/office/powerpoint/2010/main" val="1328378833"/>
+      </p:ext>
+    </p:extLst>
+  </p:cSld>
+  <p:clrMapOvr>
+    <a:masterClrMapping/>
+  </p:clrMapOvr>
 </p:sld>
 </file>
 
@@ -11197,13 +11798,6 @@
   <p:clrMapOvr>
     <a:masterClrMapping/>
   </p:clrMapOvr>
-  <p:timing>
-    <p:tnLst>
-      <p:par>
-        <p:cTn id="1" dur="indefinite" restart="never" nodeType="tmRoot"/>
-      </p:par>
-    </p:tnLst>
-  </p:timing>
 </p:sld>
 </file>
 
@@ -11256,11 +11850,7 @@
             </a:r>
             <a:r>
               <a:rPr lang="en-US" sz="3200" dirty="0"/>
-              <a:t>, each with its own mean and variance. The GMM will try to figure out</a:t>
-            </a:r>
-            <a:r>
-              <a:rPr lang="en-US" sz="3200" dirty="0" smtClean="0"/>
-              <a:t>:</a:t>
+              <a:t>, each with its own mean and variance. The GMM will try to figure out:</a:t>
             </a:r>
           </a:p>
           <a:p>
@@ -11271,16 +11861,8 @@
               <a:buAutoNum type="arabicPeriod"/>
             </a:pPr>
             <a:r>
-              <a:rPr lang="en-US" sz="3200" dirty="0" smtClean="0"/>
-              <a:t>How </a:t>
-            </a:r>
-            <a:r>
               <a:rPr lang="en-US" sz="3200" dirty="0"/>
-              <a:t>many Gaussian distributions (clusters) there are</a:t>
-            </a:r>
-            <a:r>
-              <a:rPr lang="en-US" sz="3200" dirty="0" smtClean="0"/>
-              <a:t>.</a:t>
+              <a:t>How many Gaussian distributions (clusters) there are.</a:t>
             </a:r>
           </a:p>
           <a:p>
@@ -11289,11 +11871,7 @@
             </a:pPr>
             <a:r>
               <a:rPr lang="en-US" sz="3200" dirty="0"/>
-              <a:t>The mean and variance for each distribution</a:t>
-            </a:r>
-            <a:r>
-              <a:rPr lang="en-US" sz="3200" dirty="0" smtClean="0"/>
-              <a:t>.</a:t>
+              <a:t>The mean and variance for each distribution.</a:t>
             </a:r>
           </a:p>
           <a:p>
@@ -11304,7 +11882,6 @@
               <a:rPr lang="en-US" sz="3200" dirty="0"/>
               <a:t>How likely it is that a given data point belongs to each distribution.</a:t>
             </a:r>
-            <a:endParaRPr lang="en-US" sz="3200" dirty="0"/>
           </a:p>
         </p:txBody>
       </p:sp>
@@ -11318,13 +11895,6 @@
   <p:clrMapOvr>
     <a:masterClrMapping/>
   </p:clrMapOvr>
-  <p:timing>
-    <p:tnLst>
-      <p:par>
-        <p:cTn id="1" dur="indefinite" restart="never" nodeType="tmRoot"/>
-      </p:par>
-    </p:tnLst>
-  </p:timing>
 </p:sld>
 </file>
 
@@ -11377,11 +11947,7 @@
             </a:r>
             <a:r>
               <a:rPr lang="en-US" sz="3200" dirty="0"/>
-              <a:t>, each with its own mean and variance. The GMM will try to figure out</a:t>
-            </a:r>
-            <a:r>
-              <a:rPr lang="en-US" sz="3200" dirty="0" smtClean="0"/>
-              <a:t>:</a:t>
+              <a:t>, each with its own mean and variance. The GMM will try to figure out:</a:t>
             </a:r>
           </a:p>
           <a:p>
@@ -11392,16 +11958,8 @@
               <a:buAutoNum type="arabicPeriod"/>
             </a:pPr>
             <a:r>
-              <a:rPr lang="en-US" sz="3200" dirty="0" smtClean="0"/>
-              <a:t>How </a:t>
-            </a:r>
-            <a:r>
               <a:rPr lang="en-US" sz="3200" dirty="0"/>
-              <a:t>many Gaussian distributions (clusters) there are</a:t>
-            </a:r>
-            <a:r>
-              <a:rPr lang="en-US" sz="3200" dirty="0" smtClean="0"/>
-              <a:t>.</a:t>
+              <a:t>How many Gaussian distributions (clusters) there are.</a:t>
             </a:r>
           </a:p>
           <a:p>
@@ -11410,11 +11968,7 @@
             </a:pPr>
             <a:r>
               <a:rPr lang="en-US" sz="3200" dirty="0"/>
-              <a:t>The mean and variance for each distribution</a:t>
-            </a:r>
-            <a:r>
-              <a:rPr lang="en-US" sz="3200" dirty="0" smtClean="0"/>
-              <a:t>.</a:t>
+              <a:t>The mean and variance for each distribution.</a:t>
             </a:r>
           </a:p>
           <a:p>
@@ -11425,7 +11979,6 @@
               <a:rPr lang="en-US" sz="3200" dirty="0"/>
               <a:t>How likely it is that a given data point belongs to each distribution.</a:t>
             </a:r>
-            <a:endParaRPr lang="en-US" sz="3200" dirty="0"/>
           </a:p>
         </p:txBody>
       </p:sp>
@@ -11439,13 +11992,6 @@
   <p:clrMapOvr>
     <a:masterClrMapping/>
   </p:clrMapOvr>
-  <p:timing>
-    <p:tnLst>
-      <p:par>
-        <p:cTn id="1" dur="indefinite" restart="never" nodeType="tmRoot"/>
-      </p:par>
-    </p:tnLst>
-  </p:timing>
 </p:sld>
 </file>
 
@@ -11490,7 +12036,7 @@
           <a:p>
             <a:pPr algn="ctr"/>
             <a:r>
-              <a:rPr lang="en-US" sz="7200" b="1" dirty="0" smtClean="0"/>
+              <a:rPr lang="en-US" sz="7200" b="1" dirty="0"/>
               <a:t>How GMM Clustering Works?</a:t>
             </a:r>
             <a:endParaRPr lang="en-US" sz="7200" b="1" dirty="0">
@@ -11510,13 +12056,6 @@
   <p:clrMapOvr>
     <a:masterClrMapping/>
   </p:clrMapOvr>
-  <p:timing>
-    <p:tnLst>
-      <p:par>
-        <p:cTn id="1" dur="indefinite" restart="never" nodeType="tmRoot"/>
-      </p:par>
-    </p:tnLst>
-  </p:timing>
 </p:sld>
 </file>
 
@@ -11560,22 +12099,17 @@
           <a:lstStyle/>
           <a:p>
             <a:r>
-              <a:rPr lang="en-US" sz="4400" b="1" dirty="0" smtClean="0"/>
+              <a:rPr lang="en-US" sz="4400" b="1" dirty="0"/>
               <a:t>1. Initial Guess:</a:t>
             </a:r>
-            <a:endParaRPr lang="en-US" sz="4400" b="1" dirty="0" smtClean="0"/>
           </a:p>
           <a:p>
             <a:endParaRPr lang="en-US" sz="4400" b="1" dirty="0"/>
           </a:p>
           <a:p>
             <a:r>
-              <a:rPr lang="en-US" sz="4400" dirty="0" smtClean="0"/>
-              <a:t>The </a:t>
-            </a:r>
-            <a:r>
               <a:rPr lang="en-US" sz="4400" dirty="0"/>
-              <a:t>GMM starts with a </a:t>
+              <a:t>The GMM starts with a </a:t>
             </a:r>
             <a:r>
               <a:rPr lang="en-US" sz="4400" b="1" dirty="0"/>
@@ -11602,13 +12136,6 @@
   <p:clrMapOvr>
     <a:masterClrMapping/>
   </p:clrMapOvr>
-  <p:timing>
-    <p:tnLst>
-      <p:par>
-        <p:cTn id="1" dur="indefinite" restart="never" nodeType="tmRoot"/>
-      </p:par>
-    </p:tnLst>
-  </p:timing>
 </p:sld>
 </file>
 
@@ -11652,36 +12179,26 @@
           <a:lstStyle/>
           <a:p>
             <a:r>
-              <a:rPr lang="en-US" sz="4400" b="1" dirty="0" smtClean="0"/>
+              <a:rPr lang="en-US" sz="4400" b="1" dirty="0"/>
               <a:t>2. Expectation Step: </a:t>
             </a:r>
-            <a:endParaRPr lang="en-US" sz="4400" b="1" dirty="0" smtClean="0"/>
           </a:p>
           <a:p>
             <a:endParaRPr lang="en-US" sz="1600" b="1" dirty="0"/>
           </a:p>
           <a:p>
             <a:r>
-              <a:rPr lang="en-US" sz="4000" dirty="0" smtClean="0"/>
-              <a:t>For </a:t>
-            </a:r>
-            <a:r>
               <a:rPr lang="en-US" sz="4000" dirty="0"/>
-              <a:t>each data point, it calculates the probability that it belongs to each of the clusters (each Gaussian distribution). </a:t>
-            </a:r>
-            <a:endParaRPr lang="en-US" sz="4000" dirty="0" smtClean="0"/>
+              <a:t>For each data point, it calculates the probability that it belongs to each of the clusters (each Gaussian distribution). </a:t>
+            </a:r>
           </a:p>
           <a:p>
             <a:endParaRPr lang="en-US" sz="2000" dirty="0"/>
           </a:p>
           <a:p>
             <a:r>
-              <a:rPr lang="en-US" sz="4000" dirty="0" smtClean="0"/>
-              <a:t>This </a:t>
-            </a:r>
-            <a:r>
               <a:rPr lang="en-US" sz="4000" dirty="0"/>
-              <a:t>is called a </a:t>
+              <a:t>This is called a </a:t>
             </a:r>
             <a:r>
               <a:rPr lang="en-US" sz="4000" b="1" dirty="0"/>
@@ -11708,13 +12225,6 @@
   <p:clrMapOvr>
     <a:masterClrMapping/>
   </p:clrMapOvr>
-  <p:timing>
-    <p:tnLst>
-      <p:par>
-        <p:cTn id="1" dur="indefinite" restart="never" nodeType="tmRoot"/>
-      </p:par>
-    </p:tnLst>
-  </p:timing>
 </p:sld>
 </file>
 
@@ -12258,7 +12768,7 @@
   <a:extraClrSchemeLst/>
   <a:extLst>
     <a:ext uri="{05A4C25C-085E-4340-85A3-A5531E510DB2}">
-      <thm15:themeFamily xmlns="" xmlns:thm15="http://schemas.microsoft.com/office/thememl/2012/main" name="Office Theme" id="{62F939B6-93AF-4DB8-9C6B-D6C7DFDC589F}" vid="{4A3C46E8-61CC-4603-A589-7422A47A8E4A}"/>
+      <thm15:themeFamily xmlns:thm15="http://schemas.microsoft.com/office/thememl/2012/main" name="Office Theme" id="{62F939B6-93AF-4DB8-9C6B-D6C7DFDC589F}" vid="{4A3C46E8-61CC-4603-A589-7422A47A8E4A}"/>
     </a:ext>
   </a:extLst>
 </a:theme>
